--- a/Lab1.pptx
+++ b/Lab1.pptx
@@ -5,7 +5,7 @@
     <p:sldMasterId id="2147483648" r:id="rId1"/>
   </p:sldMasterIdLst>
   <p:notesMasterIdLst>
-    <p:notesMasterId r:id="rId12"/>
+    <p:notesMasterId r:id="rId11"/>
   </p:notesMasterIdLst>
   <p:sldIdLst>
     <p:sldId id="338" r:id="rId2"/>
@@ -17,7 +17,6 @@
     <p:sldId id="357" r:id="rId8"/>
     <p:sldId id="358" r:id="rId9"/>
     <p:sldId id="359" r:id="rId10"/>
-    <p:sldId id="360" r:id="rId11"/>
   </p:sldIdLst>
   <p:sldSz cx="12192000" cy="6858000"/>
   <p:notesSz cx="6858000" cy="9144000"/>
@@ -4346,128 +4345,6 @@
 </p:sld>
 </file>
 
-<file path=ppt/slides/slide10.xml><?xml version="1.0" encoding="utf-8"?>
-<p:sld xmlns:a="http://schemas.openxmlformats.org/drawingml/2006/main" xmlns:r="http://schemas.openxmlformats.org/officeDocument/2006/relationships" xmlns:p="http://schemas.openxmlformats.org/presentationml/2006/main">
-  <p:cSld>
-    <p:spTree>
-      <p:nvGrpSpPr>
-        <p:cNvPr id="1" name=""/>
-        <p:cNvGrpSpPr/>
-        <p:nvPr/>
-      </p:nvGrpSpPr>
-      <p:grpSpPr>
-        <a:xfrm>
-          <a:off x="0" y="0"/>
-          <a:ext cx="0" cy="0"/>
-          <a:chOff x="0" y="0"/>
-          <a:chExt cx="0" cy="0"/>
-        </a:xfrm>
-      </p:grpSpPr>
-      <p:sp>
-        <p:nvSpPr>
-          <p:cNvPr id="2" name="Title 1">
-            <a:extLst>
-              <a:ext uri="{FF2B5EF4-FFF2-40B4-BE49-F238E27FC236}">
-                <a16:creationId xmlns:a16="http://schemas.microsoft.com/office/drawing/2014/main" id="{35B2CCBF-B14B-824A-8249-DD2CE1D32A10}"/>
-              </a:ext>
-            </a:extLst>
-          </p:cNvPr>
-          <p:cNvSpPr>
-            <a:spLocks noGrp="1"/>
-          </p:cNvSpPr>
-          <p:nvPr>
-            <p:ph type="title"/>
-          </p:nvPr>
-        </p:nvSpPr>
-        <p:spPr/>
-        <p:txBody>
-          <a:bodyPr/>
-          <a:lstStyle/>
-          <a:p>
-            <a:r>
-              <a:rPr lang="en-US" dirty="0"/>
-              <a:t>K-finder for K-Means</a:t>
-            </a:r>
-          </a:p>
-        </p:txBody>
-      </p:sp>
-      <p:sp>
-        <p:nvSpPr>
-          <p:cNvPr id="4" name="TextBox 3">
-            <a:extLst>
-              <a:ext uri="{FF2B5EF4-FFF2-40B4-BE49-F238E27FC236}">
-                <a16:creationId xmlns:a16="http://schemas.microsoft.com/office/drawing/2014/main" id="{872B0E2B-906E-F14A-B9B0-3BA3CE7F7C51}"/>
-              </a:ext>
-            </a:extLst>
-          </p:cNvPr>
-          <p:cNvSpPr txBox="1"/>
-          <p:nvPr/>
-        </p:nvSpPr>
-        <p:spPr>
-          <a:xfrm>
-            <a:off x="609600" y="1383632"/>
-            <a:ext cx="10122568" cy="1200329"/>
-          </a:xfrm>
-          <a:prstGeom prst="rect">
-            <a:avLst/>
-          </a:prstGeom>
-          <a:noFill/>
-        </p:spPr>
-        <p:txBody>
-          <a:bodyPr wrap="square" rtlCol="0">
-            <a:spAutoFit/>
-          </a:bodyPr>
-          <a:lstStyle/>
-          <a:p>
-            <a:pPr marL="342900" indent="-342900">
-              <a:buAutoNum type="arabicPeriod"/>
-            </a:pPr>
-            <a:r>
-              <a:rPr lang="en-US" dirty="0"/>
-              <a:t>Implement K-finder for K-Means</a:t>
-            </a:r>
-          </a:p>
-          <a:p>
-            <a:pPr marL="342900" indent="-342900">
-              <a:buAutoNum type="arabicPeriod"/>
-            </a:pPr>
-            <a:r>
-              <a:rPr lang="en-US" dirty="0"/>
-              <a:t>Implement a function that displays number of clusters vs error rate</a:t>
-            </a:r>
-          </a:p>
-          <a:p>
-            <a:endParaRPr lang="en-US" dirty="0"/>
-          </a:p>
-          <a:p>
-            <a:pPr marL="342900" indent="-342900">
-              <a:buAutoNum type="arabicPeriod"/>
-            </a:pPr>
-            <a:endParaRPr lang="en-US" dirty="0"/>
-          </a:p>
-        </p:txBody>
-      </p:sp>
-    </p:spTree>
-    <p:extLst>
-      <p:ext uri="{BB962C8B-B14F-4D97-AF65-F5344CB8AC3E}">
-        <p14:creationId xmlns:p14="http://schemas.microsoft.com/office/powerpoint/2010/main" val="1421840822"/>
-      </p:ext>
-    </p:extLst>
-  </p:cSld>
-  <p:clrMapOvr>
-    <a:masterClrMapping/>
-  </p:clrMapOvr>
-  <mc:AlternateContent xmlns:mc="http://schemas.openxmlformats.org/markup-compatibility/2006" xmlns:p14="http://schemas.microsoft.com/office/powerpoint/2010/main">
-    <mc:Choice Requires="p14">
-      <p:transition p14:dur="10"/>
-    </mc:Choice>
-    <mc:Fallback xmlns="">
-      <p:transition/>
-    </mc:Fallback>
-  </mc:AlternateContent>
-</p:sld>
-</file>
-
 <file path=ppt/slides/slide2.xml><?xml version="1.0" encoding="utf-8"?>
 <p:sld xmlns:a="http://schemas.openxmlformats.org/drawingml/2006/main" xmlns:r="http://schemas.openxmlformats.org/officeDocument/2006/relationships" xmlns:p="http://schemas.openxmlformats.org/presentationml/2006/main">
   <p:cSld>
@@ -4578,7 +4455,7 @@
               <a:buChar char="-"/>
             </a:pPr>
             <a:r>
-              <a:rPr lang="en-US" sz="2400">
+              <a:rPr lang="en-US" sz="2400" dirty="0">
                 <a:solidFill>
                   <a:schemeClr val="tx1"/>
                 </a:solidFill>
@@ -4586,7 +4463,7 @@
               <a:t>CS PhD (2</a:t>
             </a:r>
             <a:r>
-              <a:rPr lang="en-US" sz="2400" baseline="30000">
+              <a:rPr lang="en-US" sz="2400" baseline="30000" dirty="0">
                 <a:solidFill>
                   <a:schemeClr val="tx1"/>
                 </a:solidFill>
@@ -4594,7 +4471,7 @@
               <a:t>nd</a:t>
             </a:r>
             <a:r>
-              <a:rPr lang="en-US" sz="2400">
+              <a:rPr lang="en-US" sz="2400" dirty="0">
                 <a:solidFill>
                   <a:schemeClr val="tx1"/>
                 </a:solidFill>
@@ -4602,18 +4479,13 @@
               <a:t> year), USC </a:t>
             </a:r>
             <a:r>
-              <a:rPr lang="en-US" sz="2400" i="1">
+              <a:rPr lang="en-US" sz="2400" i="1" dirty="0">
                 <a:solidFill>
                   <a:schemeClr val="tx1"/>
                 </a:solidFill>
               </a:rPr>
               <a:t>(now)</a:t>
             </a:r>
-            <a:endParaRPr lang="en-US" sz="2400" i="1" dirty="0">
-              <a:solidFill>
-                <a:schemeClr val="tx1"/>
-              </a:solidFill>
-            </a:endParaRPr>
           </a:p>
           <a:p>
             <a:endParaRPr lang="en-US" sz="2400" dirty="0">
@@ -6024,7 +5896,7 @@
         <p:spPr>
           <a:xfrm>
             <a:off x="755780" y="1324947"/>
-            <a:ext cx="10030408" cy="2585323"/>
+            <a:ext cx="10030408" cy="2862322"/>
           </a:xfrm>
           <a:prstGeom prst="rect">
             <a:avLst/>
@@ -6178,36 +6050,72 @@
               <a:t> environment and install dependencies: </a:t>
             </a:r>
             <a:r>
-              <a:rPr lang="en-US" dirty="0" err="1">
+              <a:rPr lang="en-US" sz="1600" dirty="0" err="1">
+                <a:solidFill>
+                  <a:schemeClr val="accent5">
+                    <a:lumMod val="50000"/>
+                  </a:schemeClr>
+                </a:solidFill>
+                <a:latin typeface="Consolas" panose="020B0609020204030204" pitchFamily="49" charset="0"/>
                 <a:cs typeface="Consolas" panose="020B0609020204030204" pitchFamily="49" charset="0"/>
               </a:rPr>
               <a:t>conda</a:t>
             </a:r>
             <a:r>
-              <a:rPr lang="en-US" dirty="0">
+              <a:rPr lang="en-US" sz="1600" dirty="0">
+                <a:solidFill>
+                  <a:schemeClr val="accent5">
+                    <a:lumMod val="50000"/>
+                  </a:schemeClr>
+                </a:solidFill>
+                <a:latin typeface="Consolas" panose="020B0609020204030204" pitchFamily="49" charset="0"/>
                 <a:cs typeface="Consolas" panose="020B0609020204030204" pitchFamily="49" charset="0"/>
               </a:rPr>
               <a:t> </a:t>
             </a:r>
             <a:r>
-              <a:rPr lang="en-US" dirty="0" err="1">
+              <a:rPr lang="en-US" sz="1600" dirty="0" err="1">
+                <a:solidFill>
+                  <a:schemeClr val="accent5">
+                    <a:lumMod val="50000"/>
+                  </a:schemeClr>
+                </a:solidFill>
+                <a:latin typeface="Consolas" panose="020B0609020204030204" pitchFamily="49" charset="0"/>
                 <a:cs typeface="Consolas" panose="020B0609020204030204" pitchFamily="49" charset="0"/>
               </a:rPr>
               <a:t>env</a:t>
             </a:r>
             <a:r>
-              <a:rPr lang="en-US" dirty="0">
+              <a:rPr lang="en-US" sz="1600" dirty="0">
+                <a:solidFill>
+                  <a:schemeClr val="accent5">
+                    <a:lumMod val="50000"/>
+                  </a:schemeClr>
+                </a:solidFill>
+                <a:latin typeface="Consolas" panose="020B0609020204030204" pitchFamily="49" charset="0"/>
                 <a:cs typeface="Consolas" panose="020B0609020204030204" pitchFamily="49" charset="0"/>
               </a:rPr>
               <a:t> create -f </a:t>
             </a:r>
             <a:r>
-              <a:rPr lang="en-US" dirty="0" err="1">
+              <a:rPr lang="en-US" sz="1600" dirty="0" err="1">
+                <a:solidFill>
+                  <a:schemeClr val="accent5">
+                    <a:lumMod val="50000"/>
+                  </a:schemeClr>
+                </a:solidFill>
+                <a:latin typeface="Consolas" panose="020B0609020204030204" pitchFamily="49" charset="0"/>
                 <a:cs typeface="Consolas" panose="020B0609020204030204" pitchFamily="49" charset="0"/>
               </a:rPr>
               <a:t>environment.yml</a:t>
             </a:r>
-            <a:endParaRPr lang="en-US" dirty="0">
+            <a:endParaRPr lang="en-US" sz="1600" dirty="0">
+              <a:solidFill>
+                <a:schemeClr val="accent5">
+                  <a:lumMod val="50000"/>
+                </a:schemeClr>
+              </a:solidFill>
+              <a:latin typeface="Consolas" panose="020B0609020204030204" pitchFamily="49" charset="0"/>
               <a:cs typeface="Consolas" panose="020B0609020204030204" pitchFamily="49" charset="0"/>
             </a:endParaRPr>
           </a:p>
@@ -6234,24 +6142,48 @@
               <a:t> environment: </a:t>
             </a:r>
             <a:r>
-              <a:rPr lang="en-US" dirty="0" err="1">
+              <a:rPr lang="en-US" sz="1600" dirty="0" err="1">
+                <a:solidFill>
+                  <a:schemeClr val="accent5">
+                    <a:lumMod val="50000"/>
+                  </a:schemeClr>
+                </a:solidFill>
+                <a:latin typeface="Consolas" panose="020B0609020204030204" pitchFamily="49" charset="0"/>
                 <a:cs typeface="Consolas" panose="020B0609020204030204" pitchFamily="49" charset="0"/>
               </a:rPr>
               <a:t>conda</a:t>
             </a:r>
             <a:r>
-              <a:rPr lang="en-US" dirty="0">
+              <a:rPr lang="en-US" sz="1600" dirty="0">
+                <a:solidFill>
+                  <a:schemeClr val="accent5">
+                    <a:lumMod val="50000"/>
+                  </a:schemeClr>
+                </a:solidFill>
+                <a:latin typeface="Consolas" panose="020B0609020204030204" pitchFamily="49" charset="0"/>
                 <a:cs typeface="Consolas" panose="020B0609020204030204" pitchFamily="49" charset="0"/>
               </a:rPr>
               <a:t> activate </a:t>
             </a:r>
             <a:r>
-              <a:rPr lang="en-US" dirty="0" err="1">
+              <a:rPr lang="en-US" sz="1600" dirty="0" err="1">
+                <a:solidFill>
+                  <a:schemeClr val="accent5">
+                    <a:lumMod val="50000"/>
+                  </a:schemeClr>
+                </a:solidFill>
+                <a:latin typeface="Consolas" panose="020B0609020204030204" pitchFamily="49" charset="0"/>
                 <a:cs typeface="Consolas" panose="020B0609020204030204" pitchFamily="49" charset="0"/>
               </a:rPr>
-              <a:t>soongsil</a:t>
-            </a:r>
-            <a:endParaRPr lang="en-US" dirty="0">
+              <a:t>soongsil_data_mining</a:t>
+            </a:r>
+            <a:endParaRPr lang="en-US" sz="1600" dirty="0">
+              <a:solidFill>
+                <a:schemeClr val="accent5">
+                  <a:lumMod val="50000"/>
+                </a:schemeClr>
+              </a:solidFill>
+              <a:latin typeface="Consolas" panose="020B0609020204030204" pitchFamily="49" charset="0"/>
               <a:cs typeface="Consolas" panose="020B0609020204030204" pitchFamily="49" charset="0"/>
             </a:endParaRPr>
           </a:p>
@@ -6299,8 +6231,89 @@
               <a:rPr lang="en-US" dirty="0">
                 <a:cs typeface="Consolas" panose="020B0609020204030204" pitchFamily="49" charset="0"/>
               </a:rPr>
-              <a:t> kernels:</a:t>
-            </a:r>
+              <a:t> kernels: </a:t>
+            </a:r>
+            <a:r>
+              <a:rPr lang="en-US" sz="1600" dirty="0">
+                <a:solidFill>
+                  <a:schemeClr val="accent5">
+                    <a:lumMod val="50000"/>
+                  </a:schemeClr>
+                </a:solidFill>
+                <a:latin typeface="Consolas" panose="020B0609020204030204" pitchFamily="49" charset="0"/>
+                <a:cs typeface="Consolas" panose="020B0609020204030204" pitchFamily="49" charset="0"/>
+              </a:rPr>
+              <a:t>python -m </a:t>
+            </a:r>
+            <a:r>
+              <a:rPr lang="en-US" sz="1600" dirty="0" err="1">
+                <a:solidFill>
+                  <a:schemeClr val="accent5">
+                    <a:lumMod val="50000"/>
+                  </a:schemeClr>
+                </a:solidFill>
+                <a:latin typeface="Consolas" panose="020B0609020204030204" pitchFamily="49" charset="0"/>
+                <a:cs typeface="Consolas" panose="020B0609020204030204" pitchFamily="49" charset="0"/>
+              </a:rPr>
+              <a:t>ipykernel</a:t>
+            </a:r>
+            <a:r>
+              <a:rPr lang="en-US" sz="1600" dirty="0">
+                <a:solidFill>
+                  <a:schemeClr val="accent5">
+                    <a:lumMod val="50000"/>
+                  </a:schemeClr>
+                </a:solidFill>
+                <a:latin typeface="Consolas" panose="020B0609020204030204" pitchFamily="49" charset="0"/>
+                <a:cs typeface="Consolas" panose="020B0609020204030204" pitchFamily="49" charset="0"/>
+              </a:rPr>
+              <a:t> install --user --name </a:t>
+            </a:r>
+            <a:r>
+              <a:rPr lang="en-US" sz="1600" dirty="0" err="1">
+                <a:solidFill>
+                  <a:schemeClr val="accent5">
+                    <a:lumMod val="50000"/>
+                  </a:schemeClr>
+                </a:solidFill>
+                <a:latin typeface="Consolas" panose="020B0609020204030204" pitchFamily="49" charset="0"/>
+                <a:cs typeface="Consolas" panose="020B0609020204030204" pitchFamily="49" charset="0"/>
+              </a:rPr>
+              <a:t>soongsil_data_mining</a:t>
+            </a:r>
+            <a:r>
+              <a:rPr lang="en-US" sz="1600" dirty="0">
+                <a:solidFill>
+                  <a:schemeClr val="accent5">
+                    <a:lumMod val="50000"/>
+                  </a:schemeClr>
+                </a:solidFill>
+                <a:latin typeface="Consolas" panose="020B0609020204030204" pitchFamily="49" charset="0"/>
+                <a:cs typeface="Consolas" panose="020B0609020204030204" pitchFamily="49" charset="0"/>
+              </a:rPr>
+              <a:t> --display-name </a:t>
+            </a:r>
+            <a:r>
+              <a:rPr lang="en-US" sz="1600" dirty="0" err="1">
+                <a:solidFill>
+                  <a:schemeClr val="accent5">
+                    <a:lumMod val="50000"/>
+                  </a:schemeClr>
+                </a:solidFill>
+                <a:latin typeface="Consolas" panose="020B0609020204030204" pitchFamily="49" charset="0"/>
+                <a:cs typeface="Consolas" panose="020B0609020204030204" pitchFamily="49" charset="0"/>
+              </a:rPr>
+              <a:t>soongsil_data_mining</a:t>
+            </a:r>
+            <a:endParaRPr lang="en-US" sz="1600" dirty="0">
+              <a:solidFill>
+                <a:schemeClr val="accent5">
+                  <a:lumMod val="50000"/>
+                </a:schemeClr>
+              </a:solidFill>
+              <a:latin typeface="Consolas" panose="020B0609020204030204" pitchFamily="49" charset="0"/>
+              <a:cs typeface="Consolas" panose="020B0609020204030204" pitchFamily="49" charset="0"/>
+            </a:endParaRPr>
           </a:p>
           <a:p>
             <a:pPr marL="342900" indent="-342900">
@@ -6316,13 +6329,37 @@
               <a:rPr lang="en-US" dirty="0" err="1">
                 <a:cs typeface="Consolas" panose="020B0609020204030204" pitchFamily="49" charset="0"/>
               </a:rPr>
-              <a:t>jupyter</a:t>
+              <a:t>Jupyter</a:t>
             </a:r>
             <a:r>
               <a:rPr lang="en-US" dirty="0">
                 <a:cs typeface="Consolas" panose="020B0609020204030204" pitchFamily="49" charset="0"/>
               </a:rPr>
-              <a:t> notebook:</a:t>
+              <a:t> notebook: </a:t>
+            </a:r>
+            <a:r>
+              <a:rPr lang="en-US" sz="1600" dirty="0" err="1">
+                <a:solidFill>
+                  <a:schemeClr val="accent5">
+                    <a:lumMod val="50000"/>
+                  </a:schemeClr>
+                </a:solidFill>
+                <a:latin typeface="Consolas" panose="020B0609020204030204" pitchFamily="49" charset="0"/>
+                <a:cs typeface="Consolas" panose="020B0609020204030204" pitchFamily="49" charset="0"/>
+              </a:rPr>
+              <a:t>jupyter</a:t>
+            </a:r>
+            <a:r>
+              <a:rPr lang="en-US" sz="1600" dirty="0">
+                <a:solidFill>
+                  <a:schemeClr val="accent5">
+                    <a:lumMod val="50000"/>
+                  </a:schemeClr>
+                </a:solidFill>
+                <a:latin typeface="Consolas" panose="020B0609020204030204" pitchFamily="49" charset="0"/>
+                <a:cs typeface="Consolas" panose="020B0609020204030204" pitchFamily="49" charset="0"/>
+              </a:rPr>
+              <a:t> notebook</a:t>
             </a:r>
           </a:p>
           <a:p>
@@ -7159,7 +7196,7 @@
         <p:spPr>
           <a:xfrm>
             <a:off x="609600" y="1383632"/>
-            <a:ext cx="10122568" cy="2031325"/>
+            <a:ext cx="10122568" cy="1477328"/>
           </a:xfrm>
           <a:prstGeom prst="rect">
             <a:avLst/>
@@ -7173,11 +7210,12 @@
           <a:lstStyle/>
           <a:p>
             <a:pPr marL="342900" indent="-342900">
+              <a:buFontTx/>
               <a:buAutoNum type="arabicPeriod"/>
             </a:pPr>
             <a:r>
               <a:rPr lang="en-US" dirty="0"/>
-              <a:t>Write a function to load CSV files (can use built-in CSV library)</a:t>
+              <a:t>[done] Write a function to load CSV files (can use built-in CSV library) </a:t>
             </a:r>
           </a:p>
           <a:p>
@@ -7186,7 +7224,7 @@
             </a:pPr>
             <a:r>
               <a:rPr lang="en-US" dirty="0"/>
-              <a:t>Write a function that selects specific columns from a CSV</a:t>
+              <a:t>[done] Write a function that selects specific columns from a CSV</a:t>
             </a:r>
           </a:p>
           <a:p>
@@ -7195,7 +7233,7 @@
             </a:pPr>
             <a:r>
               <a:rPr lang="en-US" dirty="0"/>
-              <a:t>Write a function that filters rows based on some condition</a:t>
+              <a:t>[ ] Write a function that filters rows based on some condition </a:t>
             </a:r>
           </a:p>
           <a:p>
@@ -7204,17 +7242,7 @@
             </a:pPr>
             <a:r>
               <a:rPr lang="en-US" dirty="0"/>
-              <a:t>Write a function that accepts a 2d array and writes it to a CSV file</a:t>
-            </a:r>
-          </a:p>
-          <a:p>
-            <a:pPr marL="342900" indent="-342900">
-              <a:buFontTx/>
-              <a:buAutoNum type="arabicPeriod"/>
-            </a:pPr>
-            <a:r>
-              <a:rPr lang="en-US" dirty="0"/>
-              <a:t>Write a function that, given 3 arrays (X, Y, colors), returns an image of scatterplot (matplotlib)</a:t>
+              <a:t>[ ] Write a function that accepts a 2d array and writes it to a CSV file</a:t>
             </a:r>
           </a:p>
           <a:p>
@@ -7223,14 +7251,8 @@
             </a:pPr>
             <a:r>
               <a:rPr lang="en-US" dirty="0"/>
-              <a:t>Write a function that takes a matplotlib figure and saves it to a gif file</a:t>
-            </a:r>
-          </a:p>
-          <a:p>
-            <a:pPr marL="342900" indent="-342900">
-              <a:buAutoNum type="arabicPeriod"/>
-            </a:pPr>
-            <a:endParaRPr lang="en-US" dirty="0"/>
+              <a:t>[done] Write a function that, given 3 arrays (X, Y, colors), returns an image of scatterplot (matplotlib)</a:t>
+            </a:r>
           </a:p>
         </p:txBody>
       </p:sp>
@@ -7295,7 +7317,7 @@
           <a:p>
             <a:r>
               <a:rPr lang="en-US" dirty="0"/>
-              <a:t>K-Means</a:t>
+              <a:t>K-Means (Homework)</a:t>
             </a:r>
           </a:p>
         </p:txBody>
@@ -7333,7 +7355,7 @@
             </a:pPr>
             <a:r>
               <a:rPr lang="en-US" dirty="0"/>
-              <a:t>Implement K-Means</a:t>
+              <a:t>[almost done] Implement K-Means </a:t>
             </a:r>
           </a:p>
           <a:p>
@@ -7342,7 +7364,7 @@
             </a:pPr>
             <a:r>
               <a:rPr lang="en-US" dirty="0"/>
-              <a:t>Implement a function that, after every iteration of K-Means, generates an image of current cluster assignments, cluster centers, and displays (for each cluster) current error rate (can use legend for that)</a:t>
+              <a:t>[ ] Implement a function that, after every iteration of K-Means, generates an image of current cluster assignments, cluster centers, and displays (for each cluster) current error rate (can use legend for that)</a:t>
             </a:r>
           </a:p>
           <a:p>
@@ -7350,8 +7372,12 @@
               <a:buAutoNum type="arabicPeriod"/>
             </a:pPr>
             <a:r>
+              <a:rPr lang="en-US"/>
+              <a:t>[ ] Implement </a:t>
+            </a:r>
+            <a:r>
               <a:rPr lang="en-US" dirty="0"/>
-              <a:t>Implement a function that takes an array of images and saves them as a .gif file</a:t>
+              <a:t>a function that takes an array of images and saves them as a .gif file</a:t>
             </a:r>
           </a:p>
           <a:p>

--- a/Lab1.pptx
+++ b/Lab1.pptx
@@ -5,7 +5,7 @@
     <p:sldMasterId id="2147483648" r:id="rId1"/>
   </p:sldMasterIdLst>
   <p:notesMasterIdLst>
-    <p:notesMasterId r:id="rId11"/>
+    <p:notesMasterId r:id="rId18"/>
   </p:notesMasterIdLst>
   <p:sldIdLst>
     <p:sldId id="338" r:id="rId2"/>
@@ -17,6 +17,13 @@
     <p:sldId id="357" r:id="rId8"/>
     <p:sldId id="358" r:id="rId9"/>
     <p:sldId id="359" r:id="rId10"/>
+    <p:sldId id="360" r:id="rId11"/>
+    <p:sldId id="361" r:id="rId12"/>
+    <p:sldId id="362" r:id="rId13"/>
+    <p:sldId id="363" r:id="rId14"/>
+    <p:sldId id="364" r:id="rId15"/>
+    <p:sldId id="365" r:id="rId16"/>
+    <p:sldId id="366" r:id="rId17"/>
   </p:sldIdLst>
   <p:sldSz cx="12192000" cy="6858000"/>
   <p:notesSz cx="6858000" cy="9144000"/>
@@ -4345,6 +4352,3186 @@
 </p:sld>
 </file>
 
+<file path=ppt/slides/slide10.xml><?xml version="1.0" encoding="utf-8"?>
+<p:sld xmlns:a="http://schemas.openxmlformats.org/drawingml/2006/main" xmlns:r="http://schemas.openxmlformats.org/officeDocument/2006/relationships" xmlns:p="http://schemas.openxmlformats.org/presentationml/2006/main">
+  <p:cSld>
+    <p:spTree>
+      <p:nvGrpSpPr>
+        <p:cNvPr id="1" name=""/>
+        <p:cNvGrpSpPr/>
+        <p:nvPr/>
+      </p:nvGrpSpPr>
+      <p:grpSpPr>
+        <a:xfrm>
+          <a:off x="0" y="0"/>
+          <a:ext cx="0" cy="0"/>
+          <a:chOff x="0" y="0"/>
+          <a:chExt cx="0" cy="0"/>
+        </a:xfrm>
+      </p:grpSpPr>
+      <p:sp>
+        <p:nvSpPr>
+          <p:cNvPr id="4" name="Line Callout 1 (Border and Accent Bar) 3">
+            <a:extLst>
+              <a:ext uri="{FF2B5EF4-FFF2-40B4-BE49-F238E27FC236}">
+                <a16:creationId xmlns:a16="http://schemas.microsoft.com/office/drawing/2014/main" id="{FC04051C-07B8-404F-88A7-E14AB887C3A5}"/>
+              </a:ext>
+            </a:extLst>
+          </p:cNvPr>
+          <p:cNvSpPr/>
+          <p:nvPr/>
+        </p:nvSpPr>
+        <p:spPr>
+          <a:xfrm>
+            <a:off x="8444203" y="2215504"/>
+            <a:ext cx="3256386" cy="1933900"/>
+          </a:xfrm>
+          <a:prstGeom prst="accentBorderCallout1">
+            <a:avLst>
+              <a:gd name="adj1" fmla="val 18750"/>
+              <a:gd name="adj2" fmla="val -3749"/>
+              <a:gd name="adj3" fmla="val 17617"/>
+              <a:gd name="adj4" fmla="val -19032"/>
+            </a:avLst>
+          </a:prstGeom>
+          <a:solidFill>
+            <a:schemeClr val="accent3">
+              <a:lumMod val="20000"/>
+              <a:lumOff val="80000"/>
+            </a:schemeClr>
+          </a:solidFill>
+        </p:spPr>
+        <p:style>
+          <a:lnRef idx="2">
+            <a:schemeClr val="accent1">
+              <a:shade val="50000"/>
+            </a:schemeClr>
+          </a:lnRef>
+          <a:fillRef idx="1">
+            <a:schemeClr val="accent1"/>
+          </a:fillRef>
+          <a:effectRef idx="0">
+            <a:schemeClr val="accent1"/>
+          </a:effectRef>
+          <a:fontRef idx="minor">
+            <a:schemeClr val="lt1"/>
+          </a:fontRef>
+        </p:style>
+        <p:txBody>
+          <a:bodyPr rtlCol="0" anchor="ctr"/>
+          <a:lstStyle/>
+          <a:p>
+            <a:pPr marL="342900" indent="-342900">
+              <a:buFont typeface="+mj-lt"/>
+              <a:buAutoNum type="arabicPeriod"/>
+            </a:pPr>
+            <a:r>
+              <a:rPr lang="en-US" dirty="0">
+                <a:solidFill>
+                  <a:schemeClr val="tx1"/>
+                </a:solidFill>
+              </a:rPr>
+              <a:t>Build user behavioral model</a:t>
+            </a:r>
+          </a:p>
+          <a:p>
+            <a:pPr marL="342900" indent="-342900">
+              <a:buFont typeface="+mj-lt"/>
+              <a:buAutoNum type="arabicPeriod"/>
+            </a:pPr>
+            <a:r>
+              <a:rPr lang="en-US" dirty="0">
+                <a:solidFill>
+                  <a:schemeClr val="tx1"/>
+                </a:solidFill>
+              </a:rPr>
+              <a:t>Use the model to predict user business ratings</a:t>
+            </a:r>
+          </a:p>
+          <a:p>
+            <a:pPr marL="342900" indent="-342900">
+              <a:buFont typeface="+mj-lt"/>
+              <a:buAutoNum type="arabicPeriod"/>
+            </a:pPr>
+            <a:r>
+              <a:rPr lang="en-US" dirty="0">
+                <a:solidFill>
+                  <a:schemeClr val="tx1"/>
+                </a:solidFill>
+              </a:rPr>
+              <a:t>Validate how well our model performs</a:t>
+            </a:r>
+          </a:p>
+        </p:txBody>
+      </p:sp>
+      <p:sp>
+        <p:nvSpPr>
+          <p:cNvPr id="5" name="Title 4"/>
+          <p:cNvSpPr>
+            <a:spLocks noGrp="1"/>
+          </p:cNvSpPr>
+          <p:nvPr>
+            <p:ph type="title"/>
+          </p:nvPr>
+        </p:nvSpPr>
+        <p:spPr/>
+        <p:txBody>
+          <a:bodyPr/>
+          <a:lstStyle/>
+          <a:p>
+            <a:r>
+              <a:rPr lang="en-US" dirty="0"/>
+              <a:t>Lab Goals – Day 2, Part 1</a:t>
+            </a:r>
+          </a:p>
+        </p:txBody>
+      </p:sp>
+      <p:sp>
+        <p:nvSpPr>
+          <p:cNvPr id="11" name="Rectangle 10">
+            <a:extLst>
+              <a:ext uri="{FF2B5EF4-FFF2-40B4-BE49-F238E27FC236}">
+                <a16:creationId xmlns:a16="http://schemas.microsoft.com/office/drawing/2014/main" id="{73D16647-F280-A844-BDAC-95F4754D9F33}"/>
+              </a:ext>
+            </a:extLst>
+          </p:cNvPr>
+          <p:cNvSpPr/>
+          <p:nvPr/>
+        </p:nvSpPr>
+        <p:spPr>
+          <a:xfrm>
+            <a:off x="811763" y="3974841"/>
+            <a:ext cx="3760237" cy="718457"/>
+          </a:xfrm>
+          <a:prstGeom prst="rect">
+            <a:avLst/>
+          </a:prstGeom>
+          <a:solidFill>
+            <a:schemeClr val="accent1">
+              <a:lumMod val="40000"/>
+              <a:lumOff val="60000"/>
+            </a:schemeClr>
+          </a:solidFill>
+        </p:spPr>
+        <p:style>
+          <a:lnRef idx="2">
+            <a:schemeClr val="accent1">
+              <a:shade val="50000"/>
+            </a:schemeClr>
+          </a:lnRef>
+          <a:fillRef idx="1">
+            <a:schemeClr val="accent1"/>
+          </a:fillRef>
+          <a:effectRef idx="0">
+            <a:schemeClr val="accent1"/>
+          </a:effectRef>
+          <a:fontRef idx="minor">
+            <a:schemeClr val="lt1"/>
+          </a:fontRef>
+        </p:style>
+        <p:txBody>
+          <a:bodyPr rtlCol="0" anchor="ctr"/>
+          <a:lstStyle/>
+          <a:p>
+            <a:pPr algn="ctr"/>
+            <a:r>
+              <a:rPr lang="en-US" dirty="0"/>
+              <a:t>Data</a:t>
+            </a:r>
+          </a:p>
+        </p:txBody>
+      </p:sp>
+      <p:sp>
+        <p:nvSpPr>
+          <p:cNvPr id="12" name="Rectangle 11">
+            <a:extLst>
+              <a:ext uri="{FF2B5EF4-FFF2-40B4-BE49-F238E27FC236}">
+                <a16:creationId xmlns:a16="http://schemas.microsoft.com/office/drawing/2014/main" id="{739535BE-2181-3244-B329-C669FF2C4BBD}"/>
+              </a:ext>
+            </a:extLst>
+          </p:cNvPr>
+          <p:cNvSpPr/>
+          <p:nvPr/>
+        </p:nvSpPr>
+        <p:spPr>
+          <a:xfrm>
+            <a:off x="1623527" y="2199433"/>
+            <a:ext cx="2099388" cy="718457"/>
+          </a:xfrm>
+          <a:prstGeom prst="rect">
+            <a:avLst/>
+          </a:prstGeom>
+          <a:solidFill>
+            <a:schemeClr val="accent1"/>
+          </a:solidFill>
+        </p:spPr>
+        <p:style>
+          <a:lnRef idx="2">
+            <a:schemeClr val="accent1">
+              <a:shade val="50000"/>
+            </a:schemeClr>
+          </a:lnRef>
+          <a:fillRef idx="1">
+            <a:schemeClr val="accent1"/>
+          </a:fillRef>
+          <a:effectRef idx="0">
+            <a:schemeClr val="accent1"/>
+          </a:effectRef>
+          <a:fontRef idx="minor">
+            <a:schemeClr val="lt1"/>
+          </a:fontRef>
+        </p:style>
+        <p:txBody>
+          <a:bodyPr rtlCol="0" anchor="ctr"/>
+          <a:lstStyle/>
+          <a:p>
+            <a:pPr algn="ctr"/>
+            <a:r>
+              <a:rPr lang="en-US" dirty="0"/>
+              <a:t>Knowledge</a:t>
+            </a:r>
+          </a:p>
+        </p:txBody>
+      </p:sp>
+      <p:sp>
+        <p:nvSpPr>
+          <p:cNvPr id="13" name="Rectangle 12">
+            <a:extLst>
+              <a:ext uri="{FF2B5EF4-FFF2-40B4-BE49-F238E27FC236}">
+                <a16:creationId xmlns:a16="http://schemas.microsoft.com/office/drawing/2014/main" id="{BC8AB639-0029-A14D-A407-99B58C9D14C6}"/>
+              </a:ext>
+            </a:extLst>
+          </p:cNvPr>
+          <p:cNvSpPr/>
+          <p:nvPr/>
+        </p:nvSpPr>
+        <p:spPr>
+          <a:xfrm>
+            <a:off x="1250301" y="3100401"/>
+            <a:ext cx="2836507" cy="718457"/>
+          </a:xfrm>
+          <a:prstGeom prst="rect">
+            <a:avLst/>
+          </a:prstGeom>
+          <a:solidFill>
+            <a:schemeClr val="accent1">
+              <a:lumMod val="40000"/>
+              <a:lumOff val="60000"/>
+            </a:schemeClr>
+          </a:solidFill>
+        </p:spPr>
+        <p:style>
+          <a:lnRef idx="2">
+            <a:schemeClr val="accent1">
+              <a:shade val="50000"/>
+            </a:schemeClr>
+          </a:lnRef>
+          <a:fillRef idx="1">
+            <a:schemeClr val="accent1"/>
+          </a:fillRef>
+          <a:effectRef idx="0">
+            <a:schemeClr val="accent1"/>
+          </a:effectRef>
+          <a:fontRef idx="minor">
+            <a:schemeClr val="lt1"/>
+          </a:fontRef>
+        </p:style>
+        <p:txBody>
+          <a:bodyPr rtlCol="0" anchor="ctr"/>
+          <a:lstStyle/>
+          <a:p>
+            <a:pPr algn="ctr"/>
+            <a:r>
+              <a:rPr lang="en-US" dirty="0"/>
+              <a:t>Information</a:t>
+            </a:r>
+          </a:p>
+        </p:txBody>
+      </p:sp>
+      <p:sp>
+        <p:nvSpPr>
+          <p:cNvPr id="14" name="TextBox 13">
+            <a:extLst>
+              <a:ext uri="{FF2B5EF4-FFF2-40B4-BE49-F238E27FC236}">
+                <a16:creationId xmlns:a16="http://schemas.microsoft.com/office/drawing/2014/main" id="{384F9749-C5A5-6D4B-989B-EF94F79E6D2E}"/>
+              </a:ext>
+            </a:extLst>
+          </p:cNvPr>
+          <p:cNvSpPr txBox="1"/>
+          <p:nvPr/>
+        </p:nvSpPr>
+        <p:spPr>
+          <a:xfrm>
+            <a:off x="5197150" y="4149403"/>
+            <a:ext cx="2621903" cy="369332"/>
+          </a:xfrm>
+          <a:prstGeom prst="rect">
+            <a:avLst/>
+          </a:prstGeom>
+          <a:noFill/>
+          <a:ln>
+            <a:solidFill>
+              <a:schemeClr val="accent1">
+                <a:lumMod val="60000"/>
+                <a:lumOff val="40000"/>
+              </a:schemeClr>
+            </a:solidFill>
+          </a:ln>
+        </p:spPr>
+        <p:txBody>
+          <a:bodyPr wrap="square" rtlCol="0">
+            <a:spAutoFit/>
+          </a:bodyPr>
+          <a:lstStyle/>
+          <a:p>
+            <a:r>
+              <a:rPr lang="en-US" dirty="0">
+                <a:solidFill>
+                  <a:schemeClr val="bg2">
+                    <a:lumMod val="75000"/>
+                  </a:schemeClr>
+                </a:solidFill>
+              </a:rPr>
+              <a:t>Identify what we have</a:t>
+            </a:r>
+          </a:p>
+        </p:txBody>
+      </p:sp>
+      <p:sp>
+        <p:nvSpPr>
+          <p:cNvPr id="15" name="TextBox 14">
+            <a:extLst>
+              <a:ext uri="{FF2B5EF4-FFF2-40B4-BE49-F238E27FC236}">
+                <a16:creationId xmlns:a16="http://schemas.microsoft.com/office/drawing/2014/main" id="{B318381C-9C29-0E4C-8D49-999FB9FD3835}"/>
+              </a:ext>
+            </a:extLst>
+          </p:cNvPr>
+          <p:cNvSpPr txBox="1"/>
+          <p:nvPr/>
+        </p:nvSpPr>
+        <p:spPr>
+          <a:xfrm>
+            <a:off x="5197150" y="3274963"/>
+            <a:ext cx="2621903" cy="369332"/>
+          </a:xfrm>
+          <a:prstGeom prst="rect">
+            <a:avLst/>
+          </a:prstGeom>
+          <a:noFill/>
+          <a:ln>
+            <a:solidFill>
+              <a:schemeClr val="accent1">
+                <a:lumMod val="60000"/>
+                <a:lumOff val="40000"/>
+              </a:schemeClr>
+            </a:solidFill>
+          </a:ln>
+        </p:spPr>
+        <p:txBody>
+          <a:bodyPr wrap="square" rtlCol="0">
+            <a:spAutoFit/>
+          </a:bodyPr>
+          <a:lstStyle/>
+          <a:p>
+            <a:r>
+              <a:rPr lang="en-US" dirty="0">
+                <a:solidFill>
+                  <a:schemeClr val="bg2">
+                    <a:lumMod val="75000"/>
+                  </a:schemeClr>
+                </a:solidFill>
+              </a:rPr>
+              <a:t>Identify patterns</a:t>
+            </a:r>
+          </a:p>
+        </p:txBody>
+      </p:sp>
+      <p:sp>
+        <p:nvSpPr>
+          <p:cNvPr id="17" name="TextBox 16">
+            <a:extLst>
+              <a:ext uri="{FF2B5EF4-FFF2-40B4-BE49-F238E27FC236}">
+                <a16:creationId xmlns:a16="http://schemas.microsoft.com/office/drawing/2014/main" id="{67871338-892E-FE41-9B1A-CA652662944D}"/>
+              </a:ext>
+            </a:extLst>
+          </p:cNvPr>
+          <p:cNvSpPr txBox="1"/>
+          <p:nvPr/>
+        </p:nvSpPr>
+        <p:spPr>
+          <a:xfrm>
+            <a:off x="5197150" y="2368964"/>
+            <a:ext cx="2621904" cy="369332"/>
+          </a:xfrm>
+          <a:prstGeom prst="rect">
+            <a:avLst/>
+          </a:prstGeom>
+          <a:noFill/>
+          <a:ln>
+            <a:solidFill>
+              <a:schemeClr val="accent1"/>
+            </a:solidFill>
+          </a:ln>
+        </p:spPr>
+        <p:txBody>
+          <a:bodyPr wrap="square" rtlCol="0">
+            <a:spAutoFit/>
+          </a:bodyPr>
+          <a:lstStyle/>
+          <a:p>
+            <a:r>
+              <a:rPr lang="en-US" dirty="0"/>
+              <a:t>Predict the future</a:t>
+            </a:r>
+          </a:p>
+        </p:txBody>
+      </p:sp>
+    </p:spTree>
+    <p:extLst>
+      <p:ext uri="{BB962C8B-B14F-4D97-AF65-F5344CB8AC3E}">
+        <p14:creationId xmlns:p14="http://schemas.microsoft.com/office/powerpoint/2010/main" val="3468093863"/>
+      </p:ext>
+    </p:extLst>
+  </p:cSld>
+  <p:clrMapOvr>
+    <a:masterClrMapping/>
+  </p:clrMapOvr>
+  <mc:AlternateContent xmlns:mc="http://schemas.openxmlformats.org/markup-compatibility/2006" xmlns:p14="http://schemas.microsoft.com/office/powerpoint/2010/main">
+    <mc:Choice Requires="p14">
+      <p:transition p14:dur="10"/>
+    </mc:Choice>
+    <mc:Fallback xmlns="">
+      <p:transition/>
+    </mc:Fallback>
+  </mc:AlternateContent>
+</p:sld>
+</file>
+
+<file path=ppt/slides/slide11.xml><?xml version="1.0" encoding="utf-8"?>
+<p:sld xmlns:a="http://schemas.openxmlformats.org/drawingml/2006/main" xmlns:r="http://schemas.openxmlformats.org/officeDocument/2006/relationships" xmlns:p="http://schemas.openxmlformats.org/presentationml/2006/main">
+  <p:cSld>
+    <p:spTree>
+      <p:nvGrpSpPr>
+        <p:cNvPr id="1" name=""/>
+        <p:cNvGrpSpPr/>
+        <p:nvPr/>
+      </p:nvGrpSpPr>
+      <p:grpSpPr>
+        <a:xfrm>
+          <a:off x="0" y="0"/>
+          <a:ext cx="0" cy="0"/>
+          <a:chOff x="0" y="0"/>
+          <a:chExt cx="0" cy="0"/>
+        </a:xfrm>
+      </p:grpSpPr>
+      <p:sp>
+        <p:nvSpPr>
+          <p:cNvPr id="2" name="Title 1">
+            <a:extLst>
+              <a:ext uri="{FF2B5EF4-FFF2-40B4-BE49-F238E27FC236}">
+                <a16:creationId xmlns:a16="http://schemas.microsoft.com/office/drawing/2014/main" id="{477F453A-9BE7-564F-935B-115BEE02713E}"/>
+              </a:ext>
+            </a:extLst>
+          </p:cNvPr>
+          <p:cNvSpPr>
+            <a:spLocks noGrp="1"/>
+          </p:cNvSpPr>
+          <p:nvPr>
+            <p:ph type="title"/>
+          </p:nvPr>
+        </p:nvSpPr>
+        <p:spPr/>
+        <p:txBody>
+          <a:bodyPr/>
+          <a:lstStyle/>
+          <a:p>
+            <a:r>
+              <a:rPr lang="en-US" dirty="0"/>
+              <a:t>Data Overview</a:t>
+            </a:r>
+          </a:p>
+        </p:txBody>
+      </p:sp>
+      <p:sp>
+        <p:nvSpPr>
+          <p:cNvPr id="4" name="TextBox 3">
+            <a:extLst>
+              <a:ext uri="{FF2B5EF4-FFF2-40B4-BE49-F238E27FC236}">
+                <a16:creationId xmlns:a16="http://schemas.microsoft.com/office/drawing/2014/main" id="{FA7A54CB-45D7-4147-B363-EBD0EF77D64E}"/>
+              </a:ext>
+            </a:extLst>
+          </p:cNvPr>
+          <p:cNvSpPr txBox="1"/>
+          <p:nvPr/>
+        </p:nvSpPr>
+        <p:spPr>
+          <a:xfrm>
+            <a:off x="624467" y="1895460"/>
+            <a:ext cx="2040673" cy="369332"/>
+          </a:xfrm>
+          <a:prstGeom prst="rect">
+            <a:avLst/>
+          </a:prstGeom>
+          <a:noFill/>
+        </p:spPr>
+        <p:txBody>
+          <a:bodyPr wrap="square" rtlCol="0">
+            <a:spAutoFit/>
+          </a:bodyPr>
+          <a:lstStyle/>
+          <a:p>
+            <a:pPr algn="ctr"/>
+            <a:r>
+              <a:rPr lang="en-US" dirty="0" err="1"/>
+              <a:t>users.csv</a:t>
+            </a:r>
+            <a:endParaRPr lang="en-US" dirty="0"/>
+          </a:p>
+        </p:txBody>
+      </p:sp>
+      <p:sp>
+        <p:nvSpPr>
+          <p:cNvPr id="5" name="TextBox 4">
+            <a:extLst>
+              <a:ext uri="{FF2B5EF4-FFF2-40B4-BE49-F238E27FC236}">
+                <a16:creationId xmlns:a16="http://schemas.microsoft.com/office/drawing/2014/main" id="{1905F1D8-C3DC-854C-AF49-17027E39F68F}"/>
+              </a:ext>
+            </a:extLst>
+          </p:cNvPr>
+          <p:cNvSpPr txBox="1"/>
+          <p:nvPr/>
+        </p:nvSpPr>
+        <p:spPr>
+          <a:xfrm>
+            <a:off x="624467" y="4467744"/>
+            <a:ext cx="2040673" cy="369332"/>
+          </a:xfrm>
+          <a:prstGeom prst="rect">
+            <a:avLst/>
+          </a:prstGeom>
+          <a:noFill/>
+        </p:spPr>
+        <p:txBody>
+          <a:bodyPr wrap="square" rtlCol="0">
+            <a:spAutoFit/>
+          </a:bodyPr>
+          <a:lstStyle/>
+          <a:p>
+            <a:pPr algn="ctr"/>
+            <a:r>
+              <a:rPr lang="en-US" dirty="0" err="1"/>
+              <a:t>ratings_train.csv</a:t>
+            </a:r>
+            <a:endParaRPr lang="en-US" dirty="0"/>
+          </a:p>
+        </p:txBody>
+      </p:sp>
+      <p:pic>
+        <p:nvPicPr>
+          <p:cNvPr id="6" name="Picture 5">
+            <a:extLst>
+              <a:ext uri="{FF2B5EF4-FFF2-40B4-BE49-F238E27FC236}">
+                <a16:creationId xmlns:a16="http://schemas.microsoft.com/office/drawing/2014/main" id="{F9ED522D-94B9-E743-8929-B8168178B3B5}"/>
+              </a:ext>
+            </a:extLst>
+          </p:cNvPr>
+          <p:cNvPicPr>
+            <a:picLocks noChangeAspect="1"/>
+          </p:cNvPicPr>
+          <p:nvPr/>
+        </p:nvPicPr>
+        <p:blipFill>
+          <a:blip r:embed="rId2"/>
+          <a:stretch>
+            <a:fillRect/>
+          </a:stretch>
+        </p:blipFill>
+        <p:spPr>
+          <a:xfrm>
+            <a:off x="3192624" y="1278548"/>
+            <a:ext cx="8482701" cy="1990306"/>
+          </a:xfrm>
+          <a:prstGeom prst="rect">
+            <a:avLst/>
+          </a:prstGeom>
+        </p:spPr>
+      </p:pic>
+      <p:pic>
+        <p:nvPicPr>
+          <p:cNvPr id="7" name="Picture 6">
+            <a:extLst>
+              <a:ext uri="{FF2B5EF4-FFF2-40B4-BE49-F238E27FC236}">
+                <a16:creationId xmlns:a16="http://schemas.microsoft.com/office/drawing/2014/main" id="{340C4A58-7BC7-114A-A71E-8B65E53378CE}"/>
+              </a:ext>
+            </a:extLst>
+          </p:cNvPr>
+          <p:cNvPicPr>
+            <a:picLocks noChangeAspect="1"/>
+          </p:cNvPicPr>
+          <p:nvPr/>
+        </p:nvPicPr>
+        <p:blipFill>
+          <a:blip r:embed="rId3"/>
+          <a:stretch>
+            <a:fillRect/>
+          </a:stretch>
+        </p:blipFill>
+        <p:spPr>
+          <a:xfrm>
+            <a:off x="3192624" y="3653086"/>
+            <a:ext cx="2384655" cy="1998649"/>
+          </a:xfrm>
+          <a:prstGeom prst="rect">
+            <a:avLst/>
+          </a:prstGeom>
+        </p:spPr>
+      </p:pic>
+    </p:spTree>
+    <p:extLst>
+      <p:ext uri="{BB962C8B-B14F-4D97-AF65-F5344CB8AC3E}">
+        <p14:creationId xmlns:p14="http://schemas.microsoft.com/office/powerpoint/2010/main" val="4287475240"/>
+      </p:ext>
+    </p:extLst>
+  </p:cSld>
+  <p:clrMapOvr>
+    <a:masterClrMapping/>
+  </p:clrMapOvr>
+  <mc:AlternateContent xmlns:mc="http://schemas.openxmlformats.org/markup-compatibility/2006" xmlns:p14="http://schemas.microsoft.com/office/powerpoint/2010/main">
+    <mc:Choice Requires="p14">
+      <p:transition p14:dur="10"/>
+    </mc:Choice>
+    <mc:Fallback xmlns="">
+      <p:transition/>
+    </mc:Fallback>
+  </mc:AlternateContent>
+</p:sld>
+</file>
+
+<file path=ppt/slides/slide12.xml><?xml version="1.0" encoding="utf-8"?>
+<p:sld xmlns:a="http://schemas.openxmlformats.org/drawingml/2006/main" xmlns:r="http://schemas.openxmlformats.org/officeDocument/2006/relationships" xmlns:p="http://schemas.openxmlformats.org/presentationml/2006/main">
+  <p:cSld>
+    <p:spTree>
+      <p:nvGrpSpPr>
+        <p:cNvPr id="1" name=""/>
+        <p:cNvGrpSpPr/>
+        <p:nvPr/>
+      </p:nvGrpSpPr>
+      <p:grpSpPr>
+        <a:xfrm>
+          <a:off x="0" y="0"/>
+          <a:ext cx="0" cy="0"/>
+          <a:chOff x="0" y="0"/>
+          <a:chExt cx="0" cy="0"/>
+        </a:xfrm>
+      </p:grpSpPr>
+      <p:sp>
+        <p:nvSpPr>
+          <p:cNvPr id="2" name="Title 1">
+            <a:extLst>
+              <a:ext uri="{FF2B5EF4-FFF2-40B4-BE49-F238E27FC236}">
+                <a16:creationId xmlns:a16="http://schemas.microsoft.com/office/drawing/2014/main" id="{477F453A-9BE7-564F-935B-115BEE02713E}"/>
+              </a:ext>
+            </a:extLst>
+          </p:cNvPr>
+          <p:cNvSpPr>
+            <a:spLocks noGrp="1"/>
+          </p:cNvSpPr>
+          <p:nvPr>
+            <p:ph type="title"/>
+          </p:nvPr>
+        </p:nvSpPr>
+        <p:spPr/>
+        <p:txBody>
+          <a:bodyPr/>
+          <a:lstStyle/>
+          <a:p>
+            <a:r>
+              <a:rPr lang="en-US" dirty="0"/>
+              <a:t>Data Overview</a:t>
+            </a:r>
+          </a:p>
+        </p:txBody>
+      </p:sp>
+      <p:sp>
+        <p:nvSpPr>
+          <p:cNvPr id="4" name="TextBox 3">
+            <a:extLst>
+              <a:ext uri="{FF2B5EF4-FFF2-40B4-BE49-F238E27FC236}">
+                <a16:creationId xmlns:a16="http://schemas.microsoft.com/office/drawing/2014/main" id="{FA7A54CB-45D7-4147-B363-EBD0EF77D64E}"/>
+              </a:ext>
+            </a:extLst>
+          </p:cNvPr>
+          <p:cNvSpPr txBox="1"/>
+          <p:nvPr/>
+        </p:nvSpPr>
+        <p:spPr>
+          <a:xfrm>
+            <a:off x="624467" y="1895460"/>
+            <a:ext cx="2040673" cy="369332"/>
+          </a:xfrm>
+          <a:prstGeom prst="rect">
+            <a:avLst/>
+          </a:prstGeom>
+          <a:noFill/>
+        </p:spPr>
+        <p:txBody>
+          <a:bodyPr wrap="square" rtlCol="0">
+            <a:spAutoFit/>
+          </a:bodyPr>
+          <a:lstStyle/>
+          <a:p>
+            <a:pPr algn="ctr"/>
+            <a:r>
+              <a:rPr lang="en-US" dirty="0" err="1"/>
+              <a:t>users.csv</a:t>
+            </a:r>
+            <a:endParaRPr lang="en-US" dirty="0"/>
+          </a:p>
+        </p:txBody>
+      </p:sp>
+      <p:pic>
+        <p:nvPicPr>
+          <p:cNvPr id="6" name="Picture 5">
+            <a:extLst>
+              <a:ext uri="{FF2B5EF4-FFF2-40B4-BE49-F238E27FC236}">
+                <a16:creationId xmlns:a16="http://schemas.microsoft.com/office/drawing/2014/main" id="{F9ED522D-94B9-E743-8929-B8168178B3B5}"/>
+              </a:ext>
+            </a:extLst>
+          </p:cNvPr>
+          <p:cNvPicPr>
+            <a:picLocks noChangeAspect="1"/>
+          </p:cNvPicPr>
+          <p:nvPr/>
+        </p:nvPicPr>
+        <p:blipFill>
+          <a:blip r:embed="rId2"/>
+          <a:stretch>
+            <a:fillRect/>
+          </a:stretch>
+        </p:blipFill>
+        <p:spPr>
+          <a:xfrm>
+            <a:off x="3192624" y="1278548"/>
+            <a:ext cx="8482701" cy="1990306"/>
+          </a:xfrm>
+          <a:prstGeom prst="rect">
+            <a:avLst/>
+          </a:prstGeom>
+        </p:spPr>
+      </p:pic>
+      <p:sp>
+        <p:nvSpPr>
+          <p:cNvPr id="8" name="TextBox 7">
+            <a:extLst>
+              <a:ext uri="{FF2B5EF4-FFF2-40B4-BE49-F238E27FC236}">
+                <a16:creationId xmlns:a16="http://schemas.microsoft.com/office/drawing/2014/main" id="{B88A0C03-4BF0-464D-BFDB-D87D40EA2175}"/>
+              </a:ext>
+            </a:extLst>
+          </p:cNvPr>
+          <p:cNvSpPr txBox="1"/>
+          <p:nvPr/>
+        </p:nvSpPr>
+        <p:spPr>
+          <a:xfrm>
+            <a:off x="691375" y="3586798"/>
+            <a:ext cx="2040673" cy="369332"/>
+          </a:xfrm>
+          <a:prstGeom prst="rect">
+            <a:avLst/>
+          </a:prstGeom>
+          <a:noFill/>
+        </p:spPr>
+        <p:txBody>
+          <a:bodyPr wrap="square" rtlCol="0">
+            <a:spAutoFit/>
+          </a:bodyPr>
+          <a:lstStyle/>
+          <a:p>
+            <a:pPr algn="ctr"/>
+            <a:r>
+              <a:rPr lang="en-US" dirty="0"/>
+              <a:t>identify patterns</a:t>
+            </a:r>
+          </a:p>
+        </p:txBody>
+      </p:sp>
+      <p:sp>
+        <p:nvSpPr>
+          <p:cNvPr id="9" name="TextBox 8">
+            <a:extLst>
+              <a:ext uri="{FF2B5EF4-FFF2-40B4-BE49-F238E27FC236}">
+                <a16:creationId xmlns:a16="http://schemas.microsoft.com/office/drawing/2014/main" id="{29D76795-9DD1-BF4E-BDC3-EB616AC83818}"/>
+              </a:ext>
+            </a:extLst>
+          </p:cNvPr>
+          <p:cNvSpPr txBox="1"/>
+          <p:nvPr/>
+        </p:nvSpPr>
+        <p:spPr>
+          <a:xfrm>
+            <a:off x="3334214" y="3631402"/>
+            <a:ext cx="2040673" cy="923330"/>
+          </a:xfrm>
+          <a:prstGeom prst="rect">
+            <a:avLst/>
+          </a:prstGeom>
+          <a:noFill/>
+          <a:ln>
+            <a:solidFill>
+              <a:schemeClr val="accent1"/>
+            </a:solidFill>
+          </a:ln>
+        </p:spPr>
+        <p:txBody>
+          <a:bodyPr wrap="square" rtlCol="0">
+            <a:spAutoFit/>
+          </a:bodyPr>
+          <a:lstStyle/>
+          <a:p>
+            <a:pPr algn="ctr"/>
+            <a:r>
+              <a:rPr lang="en-US" dirty="0"/>
+              <a:t>Normally distributed around 3s</a:t>
+            </a:r>
+          </a:p>
+        </p:txBody>
+      </p:sp>
+      <p:sp>
+        <p:nvSpPr>
+          <p:cNvPr id="10" name="TextBox 9">
+            <a:extLst>
+              <a:ext uri="{FF2B5EF4-FFF2-40B4-BE49-F238E27FC236}">
+                <a16:creationId xmlns:a16="http://schemas.microsoft.com/office/drawing/2014/main" id="{EDF41D4D-0588-DE43-BE25-E5E73C299CCD}"/>
+              </a:ext>
+            </a:extLst>
+          </p:cNvPr>
+          <p:cNvSpPr txBox="1"/>
+          <p:nvPr/>
+        </p:nvSpPr>
+        <p:spPr>
+          <a:xfrm>
+            <a:off x="6413637" y="3631402"/>
+            <a:ext cx="2040673" cy="646331"/>
+          </a:xfrm>
+          <a:prstGeom prst="rect">
+            <a:avLst/>
+          </a:prstGeom>
+          <a:noFill/>
+          <a:ln>
+            <a:solidFill>
+              <a:schemeClr val="accent1"/>
+            </a:solidFill>
+          </a:ln>
+        </p:spPr>
+        <p:txBody>
+          <a:bodyPr wrap="square" rtlCol="0">
+            <a:spAutoFit/>
+          </a:bodyPr>
+          <a:lstStyle/>
+          <a:p>
+            <a:pPr algn="ctr"/>
+            <a:r>
+              <a:rPr lang="en-US" dirty="0"/>
+              <a:t>Either 1s or 5s, or both</a:t>
+            </a:r>
+          </a:p>
+        </p:txBody>
+      </p:sp>
+      <p:sp>
+        <p:nvSpPr>
+          <p:cNvPr id="11" name="TextBox 10">
+            <a:extLst>
+              <a:ext uri="{FF2B5EF4-FFF2-40B4-BE49-F238E27FC236}">
+                <a16:creationId xmlns:a16="http://schemas.microsoft.com/office/drawing/2014/main" id="{2DC825B0-CF1A-3B46-BF1A-84E4F7C2C4EA}"/>
+              </a:ext>
+            </a:extLst>
+          </p:cNvPr>
+          <p:cNvSpPr txBox="1"/>
+          <p:nvPr/>
+        </p:nvSpPr>
+        <p:spPr>
+          <a:xfrm>
+            <a:off x="9493060" y="3631402"/>
+            <a:ext cx="2040673" cy="369332"/>
+          </a:xfrm>
+          <a:prstGeom prst="rect">
+            <a:avLst/>
+          </a:prstGeom>
+          <a:noFill/>
+          <a:ln>
+            <a:solidFill>
+              <a:schemeClr val="accent1"/>
+            </a:solidFill>
+          </a:ln>
+        </p:spPr>
+        <p:txBody>
+          <a:bodyPr wrap="square" rtlCol="0">
+            <a:spAutoFit/>
+          </a:bodyPr>
+          <a:lstStyle/>
+          <a:p>
+            <a:pPr algn="ctr"/>
+            <a:r>
+              <a:rPr lang="en-US" dirty="0"/>
+              <a:t>Uniform</a:t>
+            </a:r>
+          </a:p>
+        </p:txBody>
+      </p:sp>
+      <p:cxnSp>
+        <p:nvCxnSpPr>
+          <p:cNvPr id="13" name="Straight Arrow Connector 12">
+            <a:extLst>
+              <a:ext uri="{FF2B5EF4-FFF2-40B4-BE49-F238E27FC236}">
+                <a16:creationId xmlns:a16="http://schemas.microsoft.com/office/drawing/2014/main" id="{3B443731-BBCE-4043-96FF-2684DCBE652E}"/>
+              </a:ext>
+            </a:extLst>
+          </p:cNvPr>
+          <p:cNvCxnSpPr>
+            <a:cxnSpLocks/>
+            <a:stCxn id="9" idx="0"/>
+          </p:cNvCxnSpPr>
+          <p:nvPr/>
+        </p:nvCxnSpPr>
+        <p:spPr>
+          <a:xfrm flipV="1">
+            <a:off x="4354551" y="1728439"/>
+            <a:ext cx="5001322" cy="1902963"/>
+          </a:xfrm>
+          <a:prstGeom prst="straightConnector1">
+            <a:avLst/>
+          </a:prstGeom>
+          <a:ln w="38100">
+            <a:solidFill>
+              <a:srgbClr val="C00000"/>
+            </a:solidFill>
+            <a:tailEnd type="triangle"/>
+          </a:ln>
+        </p:spPr>
+        <p:style>
+          <a:lnRef idx="1">
+            <a:schemeClr val="accent1"/>
+          </a:lnRef>
+          <a:fillRef idx="0">
+            <a:schemeClr val="accent1"/>
+          </a:fillRef>
+          <a:effectRef idx="0">
+            <a:schemeClr val="accent1"/>
+          </a:effectRef>
+          <a:fontRef idx="minor">
+            <a:schemeClr val="tx1"/>
+          </a:fontRef>
+        </p:style>
+      </p:cxnSp>
+      <p:sp>
+        <p:nvSpPr>
+          <p:cNvPr id="15" name="Rectangle 14">
+            <a:extLst>
+              <a:ext uri="{FF2B5EF4-FFF2-40B4-BE49-F238E27FC236}">
+                <a16:creationId xmlns:a16="http://schemas.microsoft.com/office/drawing/2014/main" id="{F4802990-E8B9-D949-8144-6619DA362D48}"/>
+              </a:ext>
+            </a:extLst>
+          </p:cNvPr>
+          <p:cNvSpPr/>
+          <p:nvPr/>
+        </p:nvSpPr>
+        <p:spPr>
+          <a:xfrm>
+            <a:off x="7433973" y="1572322"/>
+            <a:ext cx="4018329" cy="167268"/>
+          </a:xfrm>
+          <a:prstGeom prst="rect">
+            <a:avLst/>
+          </a:prstGeom>
+          <a:noFill/>
+          <a:ln w="28575">
+            <a:solidFill>
+              <a:srgbClr val="C00000"/>
+            </a:solidFill>
+          </a:ln>
+        </p:spPr>
+        <p:style>
+          <a:lnRef idx="2">
+            <a:schemeClr val="accent1">
+              <a:shade val="50000"/>
+            </a:schemeClr>
+          </a:lnRef>
+          <a:fillRef idx="1">
+            <a:schemeClr val="accent1"/>
+          </a:fillRef>
+          <a:effectRef idx="0">
+            <a:schemeClr val="accent1"/>
+          </a:effectRef>
+          <a:fontRef idx="minor">
+            <a:schemeClr val="lt1"/>
+          </a:fontRef>
+        </p:style>
+        <p:txBody>
+          <a:bodyPr rtlCol="0" anchor="ctr"/>
+          <a:lstStyle/>
+          <a:p>
+            <a:pPr algn="ctr"/>
+            <a:endParaRPr lang="en-US"/>
+          </a:p>
+        </p:txBody>
+      </p:sp>
+    </p:spTree>
+    <p:extLst>
+      <p:ext uri="{BB962C8B-B14F-4D97-AF65-F5344CB8AC3E}">
+        <p14:creationId xmlns:p14="http://schemas.microsoft.com/office/powerpoint/2010/main" val="3472692237"/>
+      </p:ext>
+    </p:extLst>
+  </p:cSld>
+  <p:clrMapOvr>
+    <a:masterClrMapping/>
+  </p:clrMapOvr>
+  <mc:AlternateContent xmlns:mc="http://schemas.openxmlformats.org/markup-compatibility/2006" xmlns:p14="http://schemas.microsoft.com/office/powerpoint/2010/main">
+    <mc:Choice Requires="p14">
+      <p:transition p14:dur="10"/>
+    </mc:Choice>
+    <mc:Fallback xmlns="">
+      <p:transition/>
+    </mc:Fallback>
+  </mc:AlternateContent>
+</p:sld>
+</file>
+
+<file path=ppt/slides/slide13.xml><?xml version="1.0" encoding="utf-8"?>
+<p:sld xmlns:a="http://schemas.openxmlformats.org/drawingml/2006/main" xmlns:r="http://schemas.openxmlformats.org/officeDocument/2006/relationships" xmlns:p="http://schemas.openxmlformats.org/presentationml/2006/main">
+  <p:cSld>
+    <p:spTree>
+      <p:nvGrpSpPr>
+        <p:cNvPr id="1" name=""/>
+        <p:cNvGrpSpPr/>
+        <p:nvPr/>
+      </p:nvGrpSpPr>
+      <p:grpSpPr>
+        <a:xfrm>
+          <a:off x="0" y="0"/>
+          <a:ext cx="0" cy="0"/>
+          <a:chOff x="0" y="0"/>
+          <a:chExt cx="0" cy="0"/>
+        </a:xfrm>
+      </p:grpSpPr>
+      <p:sp>
+        <p:nvSpPr>
+          <p:cNvPr id="2" name="Title 1">
+            <a:extLst>
+              <a:ext uri="{FF2B5EF4-FFF2-40B4-BE49-F238E27FC236}">
+                <a16:creationId xmlns:a16="http://schemas.microsoft.com/office/drawing/2014/main" id="{477F453A-9BE7-564F-935B-115BEE02713E}"/>
+              </a:ext>
+            </a:extLst>
+          </p:cNvPr>
+          <p:cNvSpPr>
+            <a:spLocks noGrp="1"/>
+          </p:cNvSpPr>
+          <p:nvPr>
+            <p:ph type="title"/>
+          </p:nvPr>
+        </p:nvSpPr>
+        <p:spPr/>
+        <p:txBody>
+          <a:bodyPr/>
+          <a:lstStyle/>
+          <a:p>
+            <a:r>
+              <a:rPr lang="en-US" dirty="0"/>
+              <a:t>Data Overview</a:t>
+            </a:r>
+          </a:p>
+        </p:txBody>
+      </p:sp>
+      <p:sp>
+        <p:nvSpPr>
+          <p:cNvPr id="4" name="TextBox 3">
+            <a:extLst>
+              <a:ext uri="{FF2B5EF4-FFF2-40B4-BE49-F238E27FC236}">
+                <a16:creationId xmlns:a16="http://schemas.microsoft.com/office/drawing/2014/main" id="{FA7A54CB-45D7-4147-B363-EBD0EF77D64E}"/>
+              </a:ext>
+            </a:extLst>
+          </p:cNvPr>
+          <p:cNvSpPr txBox="1"/>
+          <p:nvPr/>
+        </p:nvSpPr>
+        <p:spPr>
+          <a:xfrm>
+            <a:off x="624467" y="1895460"/>
+            <a:ext cx="2040673" cy="369332"/>
+          </a:xfrm>
+          <a:prstGeom prst="rect">
+            <a:avLst/>
+          </a:prstGeom>
+          <a:noFill/>
+        </p:spPr>
+        <p:txBody>
+          <a:bodyPr wrap="square" rtlCol="0">
+            <a:spAutoFit/>
+          </a:bodyPr>
+          <a:lstStyle/>
+          <a:p>
+            <a:pPr algn="ctr"/>
+            <a:r>
+              <a:rPr lang="en-US" dirty="0" err="1"/>
+              <a:t>users.csv</a:t>
+            </a:r>
+            <a:endParaRPr lang="en-US" dirty="0"/>
+          </a:p>
+        </p:txBody>
+      </p:sp>
+      <p:pic>
+        <p:nvPicPr>
+          <p:cNvPr id="6" name="Picture 5">
+            <a:extLst>
+              <a:ext uri="{FF2B5EF4-FFF2-40B4-BE49-F238E27FC236}">
+                <a16:creationId xmlns:a16="http://schemas.microsoft.com/office/drawing/2014/main" id="{F9ED522D-94B9-E743-8929-B8168178B3B5}"/>
+              </a:ext>
+            </a:extLst>
+          </p:cNvPr>
+          <p:cNvPicPr>
+            <a:picLocks noChangeAspect="1"/>
+          </p:cNvPicPr>
+          <p:nvPr/>
+        </p:nvPicPr>
+        <p:blipFill>
+          <a:blip r:embed="rId2"/>
+          <a:stretch>
+            <a:fillRect/>
+          </a:stretch>
+        </p:blipFill>
+        <p:spPr>
+          <a:xfrm>
+            <a:off x="3192624" y="1278548"/>
+            <a:ext cx="8482701" cy="1990306"/>
+          </a:xfrm>
+          <a:prstGeom prst="rect">
+            <a:avLst/>
+          </a:prstGeom>
+        </p:spPr>
+      </p:pic>
+      <p:sp>
+        <p:nvSpPr>
+          <p:cNvPr id="8" name="TextBox 7">
+            <a:extLst>
+              <a:ext uri="{FF2B5EF4-FFF2-40B4-BE49-F238E27FC236}">
+                <a16:creationId xmlns:a16="http://schemas.microsoft.com/office/drawing/2014/main" id="{B88A0C03-4BF0-464D-BFDB-D87D40EA2175}"/>
+              </a:ext>
+            </a:extLst>
+          </p:cNvPr>
+          <p:cNvSpPr txBox="1"/>
+          <p:nvPr/>
+        </p:nvSpPr>
+        <p:spPr>
+          <a:xfrm>
+            <a:off x="691375" y="3586798"/>
+            <a:ext cx="2040673" cy="369332"/>
+          </a:xfrm>
+          <a:prstGeom prst="rect">
+            <a:avLst/>
+          </a:prstGeom>
+          <a:noFill/>
+        </p:spPr>
+        <p:txBody>
+          <a:bodyPr wrap="square" rtlCol="0">
+            <a:spAutoFit/>
+          </a:bodyPr>
+          <a:lstStyle/>
+          <a:p>
+            <a:pPr algn="ctr"/>
+            <a:r>
+              <a:rPr lang="en-US" dirty="0"/>
+              <a:t>identify patterns</a:t>
+            </a:r>
+          </a:p>
+        </p:txBody>
+      </p:sp>
+      <p:sp>
+        <p:nvSpPr>
+          <p:cNvPr id="9" name="TextBox 8">
+            <a:extLst>
+              <a:ext uri="{FF2B5EF4-FFF2-40B4-BE49-F238E27FC236}">
+                <a16:creationId xmlns:a16="http://schemas.microsoft.com/office/drawing/2014/main" id="{29D76795-9DD1-BF4E-BDC3-EB616AC83818}"/>
+              </a:ext>
+            </a:extLst>
+          </p:cNvPr>
+          <p:cNvSpPr txBox="1"/>
+          <p:nvPr/>
+        </p:nvSpPr>
+        <p:spPr>
+          <a:xfrm>
+            <a:off x="3334214" y="3631402"/>
+            <a:ext cx="2040673" cy="923330"/>
+          </a:xfrm>
+          <a:prstGeom prst="rect">
+            <a:avLst/>
+          </a:prstGeom>
+          <a:noFill/>
+          <a:ln>
+            <a:solidFill>
+              <a:schemeClr val="accent1"/>
+            </a:solidFill>
+          </a:ln>
+        </p:spPr>
+        <p:txBody>
+          <a:bodyPr wrap="square" rtlCol="0">
+            <a:spAutoFit/>
+          </a:bodyPr>
+          <a:lstStyle/>
+          <a:p>
+            <a:pPr algn="ctr"/>
+            <a:r>
+              <a:rPr lang="en-US" dirty="0"/>
+              <a:t>Normally distributed around 3s</a:t>
+            </a:r>
+          </a:p>
+        </p:txBody>
+      </p:sp>
+      <p:sp>
+        <p:nvSpPr>
+          <p:cNvPr id="10" name="TextBox 9">
+            <a:extLst>
+              <a:ext uri="{FF2B5EF4-FFF2-40B4-BE49-F238E27FC236}">
+                <a16:creationId xmlns:a16="http://schemas.microsoft.com/office/drawing/2014/main" id="{EDF41D4D-0588-DE43-BE25-E5E73C299CCD}"/>
+              </a:ext>
+            </a:extLst>
+          </p:cNvPr>
+          <p:cNvSpPr txBox="1"/>
+          <p:nvPr/>
+        </p:nvSpPr>
+        <p:spPr>
+          <a:xfrm>
+            <a:off x="6413637" y="3631402"/>
+            <a:ext cx="2040673" cy="646331"/>
+          </a:xfrm>
+          <a:prstGeom prst="rect">
+            <a:avLst/>
+          </a:prstGeom>
+          <a:noFill/>
+          <a:ln>
+            <a:solidFill>
+              <a:schemeClr val="accent1"/>
+            </a:solidFill>
+          </a:ln>
+        </p:spPr>
+        <p:txBody>
+          <a:bodyPr wrap="square" rtlCol="0">
+            <a:spAutoFit/>
+          </a:bodyPr>
+          <a:lstStyle/>
+          <a:p>
+            <a:pPr algn="ctr"/>
+            <a:r>
+              <a:rPr lang="en-US" dirty="0"/>
+              <a:t>Either 1s or 5s, or both</a:t>
+            </a:r>
+          </a:p>
+        </p:txBody>
+      </p:sp>
+      <p:sp>
+        <p:nvSpPr>
+          <p:cNvPr id="11" name="TextBox 10">
+            <a:extLst>
+              <a:ext uri="{FF2B5EF4-FFF2-40B4-BE49-F238E27FC236}">
+                <a16:creationId xmlns:a16="http://schemas.microsoft.com/office/drawing/2014/main" id="{2DC825B0-CF1A-3B46-BF1A-84E4F7C2C4EA}"/>
+              </a:ext>
+            </a:extLst>
+          </p:cNvPr>
+          <p:cNvSpPr txBox="1"/>
+          <p:nvPr/>
+        </p:nvSpPr>
+        <p:spPr>
+          <a:xfrm>
+            <a:off x="9493060" y="3631402"/>
+            <a:ext cx="2040673" cy="369332"/>
+          </a:xfrm>
+          <a:prstGeom prst="rect">
+            <a:avLst/>
+          </a:prstGeom>
+          <a:noFill/>
+          <a:ln>
+            <a:solidFill>
+              <a:schemeClr val="accent1"/>
+            </a:solidFill>
+          </a:ln>
+        </p:spPr>
+        <p:txBody>
+          <a:bodyPr wrap="square" rtlCol="0">
+            <a:spAutoFit/>
+          </a:bodyPr>
+          <a:lstStyle/>
+          <a:p>
+            <a:pPr algn="ctr"/>
+            <a:r>
+              <a:rPr lang="en-US" dirty="0"/>
+              <a:t>Uniform</a:t>
+            </a:r>
+          </a:p>
+        </p:txBody>
+      </p:sp>
+      <p:cxnSp>
+        <p:nvCxnSpPr>
+          <p:cNvPr id="13" name="Straight Arrow Connector 12">
+            <a:extLst>
+              <a:ext uri="{FF2B5EF4-FFF2-40B4-BE49-F238E27FC236}">
+                <a16:creationId xmlns:a16="http://schemas.microsoft.com/office/drawing/2014/main" id="{3B443731-BBCE-4043-96FF-2684DCBE652E}"/>
+              </a:ext>
+            </a:extLst>
+          </p:cNvPr>
+          <p:cNvCxnSpPr>
+            <a:cxnSpLocks/>
+          </p:cNvCxnSpPr>
+          <p:nvPr/>
+        </p:nvCxnSpPr>
+        <p:spPr>
+          <a:xfrm flipV="1">
+            <a:off x="6530722" y="2264792"/>
+            <a:ext cx="834912" cy="1356594"/>
+          </a:xfrm>
+          <a:prstGeom prst="straightConnector1">
+            <a:avLst/>
+          </a:prstGeom>
+          <a:ln w="38100">
+            <a:solidFill>
+              <a:srgbClr val="C00000"/>
+            </a:solidFill>
+            <a:tailEnd type="triangle"/>
+          </a:ln>
+        </p:spPr>
+        <p:style>
+          <a:lnRef idx="1">
+            <a:schemeClr val="accent1"/>
+          </a:lnRef>
+          <a:fillRef idx="0">
+            <a:schemeClr val="accent1"/>
+          </a:fillRef>
+          <a:effectRef idx="0">
+            <a:schemeClr val="accent1"/>
+          </a:effectRef>
+          <a:fontRef idx="minor">
+            <a:schemeClr val="tx1"/>
+          </a:fontRef>
+        </p:style>
+      </p:cxnSp>
+      <p:sp>
+        <p:nvSpPr>
+          <p:cNvPr id="15" name="Rectangle 14">
+            <a:extLst>
+              <a:ext uri="{FF2B5EF4-FFF2-40B4-BE49-F238E27FC236}">
+                <a16:creationId xmlns:a16="http://schemas.microsoft.com/office/drawing/2014/main" id="{F4802990-E8B9-D949-8144-6619DA362D48}"/>
+              </a:ext>
+            </a:extLst>
+          </p:cNvPr>
+          <p:cNvSpPr/>
+          <p:nvPr/>
+        </p:nvSpPr>
+        <p:spPr>
+          <a:xfrm>
+            <a:off x="7433973" y="2182293"/>
+            <a:ext cx="4018329" cy="167268"/>
+          </a:xfrm>
+          <a:prstGeom prst="rect">
+            <a:avLst/>
+          </a:prstGeom>
+          <a:noFill/>
+          <a:ln w="28575">
+            <a:solidFill>
+              <a:srgbClr val="C00000"/>
+            </a:solidFill>
+          </a:ln>
+        </p:spPr>
+        <p:style>
+          <a:lnRef idx="2">
+            <a:schemeClr val="accent1">
+              <a:shade val="50000"/>
+            </a:schemeClr>
+          </a:lnRef>
+          <a:fillRef idx="1">
+            <a:schemeClr val="accent1"/>
+          </a:fillRef>
+          <a:effectRef idx="0">
+            <a:schemeClr val="accent1"/>
+          </a:effectRef>
+          <a:fontRef idx="minor">
+            <a:schemeClr val="lt1"/>
+          </a:fontRef>
+        </p:style>
+        <p:txBody>
+          <a:bodyPr rtlCol="0" anchor="ctr"/>
+          <a:lstStyle/>
+          <a:p>
+            <a:pPr algn="ctr"/>
+            <a:endParaRPr lang="en-US"/>
+          </a:p>
+        </p:txBody>
+      </p:sp>
+      <p:cxnSp>
+        <p:nvCxnSpPr>
+          <p:cNvPr id="16" name="Straight Arrow Connector 15">
+            <a:extLst>
+              <a:ext uri="{FF2B5EF4-FFF2-40B4-BE49-F238E27FC236}">
+                <a16:creationId xmlns:a16="http://schemas.microsoft.com/office/drawing/2014/main" id="{9095CA9F-7066-ED4C-BEAF-E78FE0244AAF}"/>
+              </a:ext>
+            </a:extLst>
+          </p:cNvPr>
+          <p:cNvCxnSpPr>
+            <a:cxnSpLocks/>
+          </p:cNvCxnSpPr>
+          <p:nvPr/>
+        </p:nvCxnSpPr>
+        <p:spPr>
+          <a:xfrm flipV="1">
+            <a:off x="7893118" y="2665141"/>
+            <a:ext cx="1293283" cy="966261"/>
+          </a:xfrm>
+          <a:prstGeom prst="straightConnector1">
+            <a:avLst/>
+          </a:prstGeom>
+          <a:ln w="38100">
+            <a:solidFill>
+              <a:srgbClr val="C00000"/>
+            </a:solidFill>
+            <a:tailEnd type="triangle"/>
+          </a:ln>
+        </p:spPr>
+        <p:style>
+          <a:lnRef idx="1">
+            <a:schemeClr val="accent1"/>
+          </a:lnRef>
+          <a:fillRef idx="0">
+            <a:schemeClr val="accent1"/>
+          </a:fillRef>
+          <a:effectRef idx="0">
+            <a:schemeClr val="accent1"/>
+          </a:effectRef>
+          <a:fontRef idx="minor">
+            <a:schemeClr val="tx1"/>
+          </a:fontRef>
+        </p:style>
+      </p:cxnSp>
+      <p:sp>
+        <p:nvSpPr>
+          <p:cNvPr id="19" name="Rectangle 18">
+            <a:extLst>
+              <a:ext uri="{FF2B5EF4-FFF2-40B4-BE49-F238E27FC236}">
+                <a16:creationId xmlns:a16="http://schemas.microsoft.com/office/drawing/2014/main" id="{2E0F2561-8843-0142-9AD2-05DA09B2C1AC}"/>
+              </a:ext>
+            </a:extLst>
+          </p:cNvPr>
+          <p:cNvSpPr/>
+          <p:nvPr/>
+        </p:nvSpPr>
+        <p:spPr>
+          <a:xfrm>
+            <a:off x="7433974" y="2494527"/>
+            <a:ext cx="4018329" cy="167268"/>
+          </a:xfrm>
+          <a:prstGeom prst="rect">
+            <a:avLst/>
+          </a:prstGeom>
+          <a:noFill/>
+          <a:ln w="28575">
+            <a:solidFill>
+              <a:srgbClr val="C00000"/>
+            </a:solidFill>
+          </a:ln>
+        </p:spPr>
+        <p:style>
+          <a:lnRef idx="2">
+            <a:schemeClr val="accent1">
+              <a:shade val="50000"/>
+            </a:schemeClr>
+          </a:lnRef>
+          <a:fillRef idx="1">
+            <a:schemeClr val="accent1"/>
+          </a:fillRef>
+          <a:effectRef idx="0">
+            <a:schemeClr val="accent1"/>
+          </a:effectRef>
+          <a:fontRef idx="minor">
+            <a:schemeClr val="lt1"/>
+          </a:fontRef>
+        </p:style>
+        <p:txBody>
+          <a:bodyPr rtlCol="0" anchor="ctr"/>
+          <a:lstStyle/>
+          <a:p>
+            <a:pPr algn="ctr"/>
+            <a:endParaRPr lang="en-US"/>
+          </a:p>
+        </p:txBody>
+      </p:sp>
+    </p:spTree>
+    <p:extLst>
+      <p:ext uri="{BB962C8B-B14F-4D97-AF65-F5344CB8AC3E}">
+        <p14:creationId xmlns:p14="http://schemas.microsoft.com/office/powerpoint/2010/main" val="3553001390"/>
+      </p:ext>
+    </p:extLst>
+  </p:cSld>
+  <p:clrMapOvr>
+    <a:masterClrMapping/>
+  </p:clrMapOvr>
+  <mc:AlternateContent xmlns:mc="http://schemas.openxmlformats.org/markup-compatibility/2006" xmlns:p14="http://schemas.microsoft.com/office/powerpoint/2010/main">
+    <mc:Choice Requires="p14">
+      <p:transition p14:dur="10"/>
+    </mc:Choice>
+    <mc:Fallback xmlns="">
+      <p:transition/>
+    </mc:Fallback>
+  </mc:AlternateContent>
+</p:sld>
+</file>
+
+<file path=ppt/slides/slide14.xml><?xml version="1.0" encoding="utf-8"?>
+<p:sld xmlns:a="http://schemas.openxmlformats.org/drawingml/2006/main" xmlns:r="http://schemas.openxmlformats.org/officeDocument/2006/relationships" xmlns:p="http://schemas.openxmlformats.org/presentationml/2006/main">
+  <p:cSld>
+    <p:spTree>
+      <p:nvGrpSpPr>
+        <p:cNvPr id="1" name=""/>
+        <p:cNvGrpSpPr/>
+        <p:nvPr/>
+      </p:nvGrpSpPr>
+      <p:grpSpPr>
+        <a:xfrm>
+          <a:off x="0" y="0"/>
+          <a:ext cx="0" cy="0"/>
+          <a:chOff x="0" y="0"/>
+          <a:chExt cx="0" cy="0"/>
+        </a:xfrm>
+      </p:grpSpPr>
+      <p:sp>
+        <p:nvSpPr>
+          <p:cNvPr id="2" name="Title 1">
+            <a:extLst>
+              <a:ext uri="{FF2B5EF4-FFF2-40B4-BE49-F238E27FC236}">
+                <a16:creationId xmlns:a16="http://schemas.microsoft.com/office/drawing/2014/main" id="{477F453A-9BE7-564F-935B-115BEE02713E}"/>
+              </a:ext>
+            </a:extLst>
+          </p:cNvPr>
+          <p:cNvSpPr>
+            <a:spLocks noGrp="1"/>
+          </p:cNvSpPr>
+          <p:nvPr>
+            <p:ph type="title"/>
+          </p:nvPr>
+        </p:nvSpPr>
+        <p:spPr/>
+        <p:txBody>
+          <a:bodyPr/>
+          <a:lstStyle/>
+          <a:p>
+            <a:r>
+              <a:rPr lang="en-US" dirty="0"/>
+              <a:t>Data Overview</a:t>
+            </a:r>
+          </a:p>
+        </p:txBody>
+      </p:sp>
+      <p:sp>
+        <p:nvSpPr>
+          <p:cNvPr id="4" name="TextBox 3">
+            <a:extLst>
+              <a:ext uri="{FF2B5EF4-FFF2-40B4-BE49-F238E27FC236}">
+                <a16:creationId xmlns:a16="http://schemas.microsoft.com/office/drawing/2014/main" id="{FA7A54CB-45D7-4147-B363-EBD0EF77D64E}"/>
+              </a:ext>
+            </a:extLst>
+          </p:cNvPr>
+          <p:cNvSpPr txBox="1"/>
+          <p:nvPr/>
+        </p:nvSpPr>
+        <p:spPr>
+          <a:xfrm>
+            <a:off x="624467" y="1895460"/>
+            <a:ext cx="2040673" cy="369332"/>
+          </a:xfrm>
+          <a:prstGeom prst="rect">
+            <a:avLst/>
+          </a:prstGeom>
+          <a:noFill/>
+        </p:spPr>
+        <p:txBody>
+          <a:bodyPr wrap="square" rtlCol="0">
+            <a:spAutoFit/>
+          </a:bodyPr>
+          <a:lstStyle/>
+          <a:p>
+            <a:pPr algn="ctr"/>
+            <a:r>
+              <a:rPr lang="en-US" dirty="0" err="1"/>
+              <a:t>users.csv</a:t>
+            </a:r>
+            <a:endParaRPr lang="en-US" dirty="0"/>
+          </a:p>
+        </p:txBody>
+      </p:sp>
+      <p:pic>
+        <p:nvPicPr>
+          <p:cNvPr id="6" name="Picture 5">
+            <a:extLst>
+              <a:ext uri="{FF2B5EF4-FFF2-40B4-BE49-F238E27FC236}">
+                <a16:creationId xmlns:a16="http://schemas.microsoft.com/office/drawing/2014/main" id="{F9ED522D-94B9-E743-8929-B8168178B3B5}"/>
+              </a:ext>
+            </a:extLst>
+          </p:cNvPr>
+          <p:cNvPicPr>
+            <a:picLocks noChangeAspect="1"/>
+          </p:cNvPicPr>
+          <p:nvPr/>
+        </p:nvPicPr>
+        <p:blipFill>
+          <a:blip r:embed="rId2"/>
+          <a:stretch>
+            <a:fillRect/>
+          </a:stretch>
+        </p:blipFill>
+        <p:spPr>
+          <a:xfrm>
+            <a:off x="3192624" y="1278548"/>
+            <a:ext cx="8482701" cy="1990306"/>
+          </a:xfrm>
+          <a:prstGeom prst="rect">
+            <a:avLst/>
+          </a:prstGeom>
+        </p:spPr>
+      </p:pic>
+      <p:sp>
+        <p:nvSpPr>
+          <p:cNvPr id="8" name="TextBox 7">
+            <a:extLst>
+              <a:ext uri="{FF2B5EF4-FFF2-40B4-BE49-F238E27FC236}">
+                <a16:creationId xmlns:a16="http://schemas.microsoft.com/office/drawing/2014/main" id="{B88A0C03-4BF0-464D-BFDB-D87D40EA2175}"/>
+              </a:ext>
+            </a:extLst>
+          </p:cNvPr>
+          <p:cNvSpPr txBox="1"/>
+          <p:nvPr/>
+        </p:nvSpPr>
+        <p:spPr>
+          <a:xfrm>
+            <a:off x="691375" y="3586798"/>
+            <a:ext cx="2040673" cy="369332"/>
+          </a:xfrm>
+          <a:prstGeom prst="rect">
+            <a:avLst/>
+          </a:prstGeom>
+          <a:noFill/>
+        </p:spPr>
+        <p:txBody>
+          <a:bodyPr wrap="square" rtlCol="0">
+            <a:spAutoFit/>
+          </a:bodyPr>
+          <a:lstStyle/>
+          <a:p>
+            <a:pPr algn="ctr"/>
+            <a:r>
+              <a:rPr lang="en-US" dirty="0"/>
+              <a:t>identify patterns</a:t>
+            </a:r>
+          </a:p>
+        </p:txBody>
+      </p:sp>
+      <p:sp>
+        <p:nvSpPr>
+          <p:cNvPr id="9" name="TextBox 8">
+            <a:extLst>
+              <a:ext uri="{FF2B5EF4-FFF2-40B4-BE49-F238E27FC236}">
+                <a16:creationId xmlns:a16="http://schemas.microsoft.com/office/drawing/2014/main" id="{29D76795-9DD1-BF4E-BDC3-EB616AC83818}"/>
+              </a:ext>
+            </a:extLst>
+          </p:cNvPr>
+          <p:cNvSpPr txBox="1"/>
+          <p:nvPr/>
+        </p:nvSpPr>
+        <p:spPr>
+          <a:xfrm>
+            <a:off x="3334214" y="3631402"/>
+            <a:ext cx="2040673" cy="923330"/>
+          </a:xfrm>
+          <a:prstGeom prst="rect">
+            <a:avLst/>
+          </a:prstGeom>
+          <a:noFill/>
+          <a:ln>
+            <a:solidFill>
+              <a:schemeClr val="accent1"/>
+            </a:solidFill>
+          </a:ln>
+        </p:spPr>
+        <p:txBody>
+          <a:bodyPr wrap="square" rtlCol="0">
+            <a:spAutoFit/>
+          </a:bodyPr>
+          <a:lstStyle/>
+          <a:p>
+            <a:pPr algn="ctr"/>
+            <a:r>
+              <a:rPr lang="en-US" dirty="0"/>
+              <a:t>Normally distributed around 3s</a:t>
+            </a:r>
+          </a:p>
+        </p:txBody>
+      </p:sp>
+      <p:sp>
+        <p:nvSpPr>
+          <p:cNvPr id="10" name="TextBox 9">
+            <a:extLst>
+              <a:ext uri="{FF2B5EF4-FFF2-40B4-BE49-F238E27FC236}">
+                <a16:creationId xmlns:a16="http://schemas.microsoft.com/office/drawing/2014/main" id="{EDF41D4D-0588-DE43-BE25-E5E73C299CCD}"/>
+              </a:ext>
+            </a:extLst>
+          </p:cNvPr>
+          <p:cNvSpPr txBox="1"/>
+          <p:nvPr/>
+        </p:nvSpPr>
+        <p:spPr>
+          <a:xfrm>
+            <a:off x="6413637" y="3631402"/>
+            <a:ext cx="2040673" cy="646331"/>
+          </a:xfrm>
+          <a:prstGeom prst="rect">
+            <a:avLst/>
+          </a:prstGeom>
+          <a:noFill/>
+          <a:ln>
+            <a:solidFill>
+              <a:schemeClr val="accent1"/>
+            </a:solidFill>
+          </a:ln>
+        </p:spPr>
+        <p:txBody>
+          <a:bodyPr wrap="square" rtlCol="0">
+            <a:spAutoFit/>
+          </a:bodyPr>
+          <a:lstStyle/>
+          <a:p>
+            <a:pPr algn="ctr"/>
+            <a:r>
+              <a:rPr lang="en-US" dirty="0"/>
+              <a:t>Either 1s or 5s, or both</a:t>
+            </a:r>
+          </a:p>
+        </p:txBody>
+      </p:sp>
+      <p:sp>
+        <p:nvSpPr>
+          <p:cNvPr id="11" name="TextBox 10">
+            <a:extLst>
+              <a:ext uri="{FF2B5EF4-FFF2-40B4-BE49-F238E27FC236}">
+                <a16:creationId xmlns:a16="http://schemas.microsoft.com/office/drawing/2014/main" id="{2DC825B0-CF1A-3B46-BF1A-84E4F7C2C4EA}"/>
+              </a:ext>
+            </a:extLst>
+          </p:cNvPr>
+          <p:cNvSpPr txBox="1"/>
+          <p:nvPr/>
+        </p:nvSpPr>
+        <p:spPr>
+          <a:xfrm>
+            <a:off x="9493060" y="3631402"/>
+            <a:ext cx="2040673" cy="369332"/>
+          </a:xfrm>
+          <a:prstGeom prst="rect">
+            <a:avLst/>
+          </a:prstGeom>
+          <a:noFill/>
+          <a:ln>
+            <a:solidFill>
+              <a:schemeClr val="accent1"/>
+            </a:solidFill>
+          </a:ln>
+        </p:spPr>
+        <p:txBody>
+          <a:bodyPr wrap="square" rtlCol="0">
+            <a:spAutoFit/>
+          </a:bodyPr>
+          <a:lstStyle/>
+          <a:p>
+            <a:pPr algn="ctr"/>
+            <a:r>
+              <a:rPr lang="en-US" dirty="0"/>
+              <a:t>Uniform</a:t>
+            </a:r>
+          </a:p>
+        </p:txBody>
+      </p:sp>
+      <p:cxnSp>
+        <p:nvCxnSpPr>
+          <p:cNvPr id="17" name="Straight Arrow Connector 16">
+            <a:extLst>
+              <a:ext uri="{FF2B5EF4-FFF2-40B4-BE49-F238E27FC236}">
+                <a16:creationId xmlns:a16="http://schemas.microsoft.com/office/drawing/2014/main" id="{BD8D2FF7-3A42-FD4B-B256-1EF4A6941F37}"/>
+              </a:ext>
+            </a:extLst>
+          </p:cNvPr>
+          <p:cNvCxnSpPr>
+            <a:cxnSpLocks/>
+            <a:stCxn id="11" idx="0"/>
+          </p:cNvCxnSpPr>
+          <p:nvPr/>
+        </p:nvCxnSpPr>
+        <p:spPr>
+          <a:xfrm flipH="1" flipV="1">
+            <a:off x="9493061" y="3036646"/>
+            <a:ext cx="1020336" cy="594756"/>
+          </a:xfrm>
+          <a:prstGeom prst="straightConnector1">
+            <a:avLst/>
+          </a:prstGeom>
+          <a:ln w="38100">
+            <a:solidFill>
+              <a:srgbClr val="C00000"/>
+            </a:solidFill>
+            <a:tailEnd type="triangle"/>
+          </a:ln>
+        </p:spPr>
+        <p:style>
+          <a:lnRef idx="1">
+            <a:schemeClr val="accent1"/>
+          </a:lnRef>
+          <a:fillRef idx="0">
+            <a:schemeClr val="accent1"/>
+          </a:fillRef>
+          <a:effectRef idx="0">
+            <a:schemeClr val="accent1"/>
+          </a:effectRef>
+          <a:fontRef idx="minor">
+            <a:schemeClr val="tx1"/>
+          </a:fontRef>
+        </p:style>
+      </p:cxnSp>
+      <p:sp>
+        <p:nvSpPr>
+          <p:cNvPr id="19" name="Rectangle 18">
+            <a:extLst>
+              <a:ext uri="{FF2B5EF4-FFF2-40B4-BE49-F238E27FC236}">
+                <a16:creationId xmlns:a16="http://schemas.microsoft.com/office/drawing/2014/main" id="{2E0F2561-8843-0142-9AD2-05DA09B2C1AC}"/>
+              </a:ext>
+            </a:extLst>
+          </p:cNvPr>
+          <p:cNvSpPr/>
+          <p:nvPr/>
+        </p:nvSpPr>
+        <p:spPr>
+          <a:xfrm>
+            <a:off x="7433973" y="2795610"/>
+            <a:ext cx="4018329" cy="167268"/>
+          </a:xfrm>
+          <a:prstGeom prst="rect">
+            <a:avLst/>
+          </a:prstGeom>
+          <a:noFill/>
+          <a:ln w="28575">
+            <a:solidFill>
+              <a:srgbClr val="C00000"/>
+            </a:solidFill>
+          </a:ln>
+        </p:spPr>
+        <p:style>
+          <a:lnRef idx="2">
+            <a:schemeClr val="accent1">
+              <a:shade val="50000"/>
+            </a:schemeClr>
+          </a:lnRef>
+          <a:fillRef idx="1">
+            <a:schemeClr val="accent1"/>
+          </a:fillRef>
+          <a:effectRef idx="0">
+            <a:schemeClr val="accent1"/>
+          </a:effectRef>
+          <a:fontRef idx="minor">
+            <a:schemeClr val="lt1"/>
+          </a:fontRef>
+        </p:style>
+        <p:txBody>
+          <a:bodyPr rtlCol="0" anchor="ctr"/>
+          <a:lstStyle/>
+          <a:p>
+            <a:pPr algn="ctr"/>
+            <a:endParaRPr lang="en-US"/>
+          </a:p>
+        </p:txBody>
+      </p:sp>
+    </p:spTree>
+    <p:extLst>
+      <p:ext uri="{BB962C8B-B14F-4D97-AF65-F5344CB8AC3E}">
+        <p14:creationId xmlns:p14="http://schemas.microsoft.com/office/powerpoint/2010/main" val="3249827147"/>
+      </p:ext>
+    </p:extLst>
+  </p:cSld>
+  <p:clrMapOvr>
+    <a:masterClrMapping/>
+  </p:clrMapOvr>
+  <mc:AlternateContent xmlns:mc="http://schemas.openxmlformats.org/markup-compatibility/2006" xmlns:p14="http://schemas.microsoft.com/office/powerpoint/2010/main">
+    <mc:Choice Requires="p14">
+      <p:transition p14:dur="10"/>
+    </mc:Choice>
+    <mc:Fallback xmlns="">
+      <p:transition/>
+    </mc:Fallback>
+  </mc:AlternateContent>
+</p:sld>
+</file>
+
+<file path=ppt/slides/slide15.xml><?xml version="1.0" encoding="utf-8"?>
+<p:sld xmlns:a="http://schemas.openxmlformats.org/drawingml/2006/main" xmlns:r="http://schemas.openxmlformats.org/officeDocument/2006/relationships" xmlns:p="http://schemas.openxmlformats.org/presentationml/2006/main">
+  <p:cSld>
+    <p:spTree>
+      <p:nvGrpSpPr>
+        <p:cNvPr id="1" name=""/>
+        <p:cNvGrpSpPr/>
+        <p:nvPr/>
+      </p:nvGrpSpPr>
+      <p:grpSpPr>
+        <a:xfrm>
+          <a:off x="0" y="0"/>
+          <a:ext cx="0" cy="0"/>
+          <a:chOff x="0" y="0"/>
+          <a:chExt cx="0" cy="0"/>
+        </a:xfrm>
+      </p:grpSpPr>
+      <p:sp>
+        <p:nvSpPr>
+          <p:cNvPr id="2" name="Title 1">
+            <a:extLst>
+              <a:ext uri="{FF2B5EF4-FFF2-40B4-BE49-F238E27FC236}">
+                <a16:creationId xmlns:a16="http://schemas.microsoft.com/office/drawing/2014/main" id="{477F453A-9BE7-564F-935B-115BEE02713E}"/>
+              </a:ext>
+            </a:extLst>
+          </p:cNvPr>
+          <p:cNvSpPr>
+            <a:spLocks noGrp="1"/>
+          </p:cNvSpPr>
+          <p:nvPr>
+            <p:ph type="title"/>
+          </p:nvPr>
+        </p:nvSpPr>
+        <p:spPr/>
+        <p:txBody>
+          <a:bodyPr/>
+          <a:lstStyle/>
+          <a:p>
+            <a:r>
+              <a:rPr lang="en-US" dirty="0"/>
+              <a:t>Data Overview</a:t>
+            </a:r>
+          </a:p>
+        </p:txBody>
+      </p:sp>
+      <p:sp>
+        <p:nvSpPr>
+          <p:cNvPr id="4" name="TextBox 3">
+            <a:extLst>
+              <a:ext uri="{FF2B5EF4-FFF2-40B4-BE49-F238E27FC236}">
+                <a16:creationId xmlns:a16="http://schemas.microsoft.com/office/drawing/2014/main" id="{FA7A54CB-45D7-4147-B363-EBD0EF77D64E}"/>
+              </a:ext>
+            </a:extLst>
+          </p:cNvPr>
+          <p:cNvSpPr txBox="1"/>
+          <p:nvPr/>
+        </p:nvSpPr>
+        <p:spPr>
+          <a:xfrm>
+            <a:off x="624467" y="1895460"/>
+            <a:ext cx="2040673" cy="369332"/>
+          </a:xfrm>
+          <a:prstGeom prst="rect">
+            <a:avLst/>
+          </a:prstGeom>
+          <a:noFill/>
+        </p:spPr>
+        <p:txBody>
+          <a:bodyPr wrap="square" rtlCol="0">
+            <a:spAutoFit/>
+          </a:bodyPr>
+          <a:lstStyle/>
+          <a:p>
+            <a:pPr algn="ctr"/>
+            <a:r>
+              <a:rPr lang="en-US" dirty="0" err="1"/>
+              <a:t>users.csv</a:t>
+            </a:r>
+            <a:endParaRPr lang="en-US" dirty="0"/>
+          </a:p>
+        </p:txBody>
+      </p:sp>
+      <p:sp>
+        <p:nvSpPr>
+          <p:cNvPr id="5" name="TextBox 4">
+            <a:extLst>
+              <a:ext uri="{FF2B5EF4-FFF2-40B4-BE49-F238E27FC236}">
+                <a16:creationId xmlns:a16="http://schemas.microsoft.com/office/drawing/2014/main" id="{1905F1D8-C3DC-854C-AF49-17027E39F68F}"/>
+              </a:ext>
+            </a:extLst>
+          </p:cNvPr>
+          <p:cNvSpPr txBox="1"/>
+          <p:nvPr/>
+        </p:nvSpPr>
+        <p:spPr>
+          <a:xfrm>
+            <a:off x="624467" y="5136816"/>
+            <a:ext cx="2040673" cy="369332"/>
+          </a:xfrm>
+          <a:prstGeom prst="rect">
+            <a:avLst/>
+          </a:prstGeom>
+          <a:noFill/>
+        </p:spPr>
+        <p:txBody>
+          <a:bodyPr wrap="square" rtlCol="0">
+            <a:spAutoFit/>
+          </a:bodyPr>
+          <a:lstStyle/>
+          <a:p>
+            <a:pPr algn="ctr"/>
+            <a:r>
+              <a:rPr lang="en-US" b="1" dirty="0"/>
+              <a:t>hypothesis</a:t>
+            </a:r>
+          </a:p>
+        </p:txBody>
+      </p:sp>
+      <p:pic>
+        <p:nvPicPr>
+          <p:cNvPr id="6" name="Picture 5">
+            <a:extLst>
+              <a:ext uri="{FF2B5EF4-FFF2-40B4-BE49-F238E27FC236}">
+                <a16:creationId xmlns:a16="http://schemas.microsoft.com/office/drawing/2014/main" id="{F9ED522D-94B9-E743-8929-B8168178B3B5}"/>
+              </a:ext>
+            </a:extLst>
+          </p:cNvPr>
+          <p:cNvPicPr>
+            <a:picLocks noChangeAspect="1"/>
+          </p:cNvPicPr>
+          <p:nvPr/>
+        </p:nvPicPr>
+        <p:blipFill>
+          <a:blip r:embed="rId2"/>
+          <a:stretch>
+            <a:fillRect/>
+          </a:stretch>
+        </p:blipFill>
+        <p:spPr>
+          <a:xfrm>
+            <a:off x="3192624" y="1278548"/>
+            <a:ext cx="8482701" cy="1990306"/>
+          </a:xfrm>
+          <a:prstGeom prst="rect">
+            <a:avLst/>
+          </a:prstGeom>
+        </p:spPr>
+      </p:pic>
+      <p:sp>
+        <p:nvSpPr>
+          <p:cNvPr id="8" name="TextBox 7">
+            <a:extLst>
+              <a:ext uri="{FF2B5EF4-FFF2-40B4-BE49-F238E27FC236}">
+                <a16:creationId xmlns:a16="http://schemas.microsoft.com/office/drawing/2014/main" id="{B88A0C03-4BF0-464D-BFDB-D87D40EA2175}"/>
+              </a:ext>
+            </a:extLst>
+          </p:cNvPr>
+          <p:cNvSpPr txBox="1"/>
+          <p:nvPr/>
+        </p:nvSpPr>
+        <p:spPr>
+          <a:xfrm>
+            <a:off x="691375" y="3586798"/>
+            <a:ext cx="2040673" cy="369332"/>
+          </a:xfrm>
+          <a:prstGeom prst="rect">
+            <a:avLst/>
+          </a:prstGeom>
+          <a:noFill/>
+        </p:spPr>
+        <p:txBody>
+          <a:bodyPr wrap="square" rtlCol="0">
+            <a:spAutoFit/>
+          </a:bodyPr>
+          <a:lstStyle/>
+          <a:p>
+            <a:pPr algn="ctr"/>
+            <a:r>
+              <a:rPr lang="en-US" dirty="0"/>
+              <a:t>identify patterns</a:t>
+            </a:r>
+          </a:p>
+        </p:txBody>
+      </p:sp>
+      <p:sp>
+        <p:nvSpPr>
+          <p:cNvPr id="9" name="TextBox 8">
+            <a:extLst>
+              <a:ext uri="{FF2B5EF4-FFF2-40B4-BE49-F238E27FC236}">
+                <a16:creationId xmlns:a16="http://schemas.microsoft.com/office/drawing/2014/main" id="{29D76795-9DD1-BF4E-BDC3-EB616AC83818}"/>
+              </a:ext>
+            </a:extLst>
+          </p:cNvPr>
+          <p:cNvSpPr txBox="1"/>
+          <p:nvPr/>
+        </p:nvSpPr>
+        <p:spPr>
+          <a:xfrm>
+            <a:off x="3334214" y="3631402"/>
+            <a:ext cx="2040673" cy="923330"/>
+          </a:xfrm>
+          <a:prstGeom prst="rect">
+            <a:avLst/>
+          </a:prstGeom>
+          <a:noFill/>
+          <a:ln>
+            <a:solidFill>
+              <a:schemeClr val="accent1"/>
+            </a:solidFill>
+          </a:ln>
+        </p:spPr>
+        <p:txBody>
+          <a:bodyPr wrap="square" rtlCol="0">
+            <a:spAutoFit/>
+          </a:bodyPr>
+          <a:lstStyle/>
+          <a:p>
+            <a:pPr algn="ctr"/>
+            <a:r>
+              <a:rPr lang="en-US" dirty="0"/>
+              <a:t>Normally distributed around 3s</a:t>
+            </a:r>
+          </a:p>
+        </p:txBody>
+      </p:sp>
+      <p:sp>
+        <p:nvSpPr>
+          <p:cNvPr id="10" name="TextBox 9">
+            <a:extLst>
+              <a:ext uri="{FF2B5EF4-FFF2-40B4-BE49-F238E27FC236}">
+                <a16:creationId xmlns:a16="http://schemas.microsoft.com/office/drawing/2014/main" id="{EDF41D4D-0588-DE43-BE25-E5E73C299CCD}"/>
+              </a:ext>
+            </a:extLst>
+          </p:cNvPr>
+          <p:cNvSpPr txBox="1"/>
+          <p:nvPr/>
+        </p:nvSpPr>
+        <p:spPr>
+          <a:xfrm>
+            <a:off x="6413637" y="3631402"/>
+            <a:ext cx="2040673" cy="646331"/>
+          </a:xfrm>
+          <a:prstGeom prst="rect">
+            <a:avLst/>
+          </a:prstGeom>
+          <a:noFill/>
+          <a:ln>
+            <a:solidFill>
+              <a:schemeClr val="accent1"/>
+            </a:solidFill>
+          </a:ln>
+        </p:spPr>
+        <p:txBody>
+          <a:bodyPr wrap="square" rtlCol="0">
+            <a:spAutoFit/>
+          </a:bodyPr>
+          <a:lstStyle/>
+          <a:p>
+            <a:pPr algn="ctr"/>
+            <a:r>
+              <a:rPr lang="en-US" dirty="0"/>
+              <a:t>Either 1s or 5s, or both</a:t>
+            </a:r>
+          </a:p>
+        </p:txBody>
+      </p:sp>
+      <p:sp>
+        <p:nvSpPr>
+          <p:cNvPr id="11" name="TextBox 10">
+            <a:extLst>
+              <a:ext uri="{FF2B5EF4-FFF2-40B4-BE49-F238E27FC236}">
+                <a16:creationId xmlns:a16="http://schemas.microsoft.com/office/drawing/2014/main" id="{2DC825B0-CF1A-3B46-BF1A-84E4F7C2C4EA}"/>
+              </a:ext>
+            </a:extLst>
+          </p:cNvPr>
+          <p:cNvSpPr txBox="1"/>
+          <p:nvPr/>
+        </p:nvSpPr>
+        <p:spPr>
+          <a:xfrm>
+            <a:off x="9493060" y="3631402"/>
+            <a:ext cx="2040673" cy="369332"/>
+          </a:xfrm>
+          <a:prstGeom prst="rect">
+            <a:avLst/>
+          </a:prstGeom>
+          <a:noFill/>
+          <a:ln>
+            <a:solidFill>
+              <a:schemeClr val="accent1"/>
+            </a:solidFill>
+          </a:ln>
+        </p:spPr>
+        <p:txBody>
+          <a:bodyPr wrap="square" rtlCol="0">
+            <a:spAutoFit/>
+          </a:bodyPr>
+          <a:lstStyle/>
+          <a:p>
+            <a:pPr algn="ctr"/>
+            <a:r>
+              <a:rPr lang="en-US" dirty="0"/>
+              <a:t>Uniform</a:t>
+            </a:r>
+          </a:p>
+        </p:txBody>
+      </p:sp>
+      <p:sp>
+        <p:nvSpPr>
+          <p:cNvPr id="3" name="TextBox 2">
+            <a:extLst>
+              <a:ext uri="{FF2B5EF4-FFF2-40B4-BE49-F238E27FC236}">
+                <a16:creationId xmlns:a16="http://schemas.microsoft.com/office/drawing/2014/main" id="{59F4D2BC-7E85-734B-976E-ABE35BBEFF37}"/>
+              </a:ext>
+            </a:extLst>
+          </p:cNvPr>
+          <p:cNvSpPr txBox="1"/>
+          <p:nvPr/>
+        </p:nvSpPr>
+        <p:spPr>
+          <a:xfrm>
+            <a:off x="3334214" y="4939990"/>
+            <a:ext cx="8199519" cy="646331"/>
+          </a:xfrm>
+          <a:prstGeom prst="rect">
+            <a:avLst/>
+          </a:prstGeom>
+          <a:noFill/>
+        </p:spPr>
+        <p:txBody>
+          <a:bodyPr wrap="square" rtlCol="0">
+            <a:spAutoFit/>
+          </a:bodyPr>
+          <a:lstStyle/>
+          <a:p>
+            <a:r>
+              <a:rPr lang="en-US" b="1" dirty="0"/>
+              <a:t>If we can identify different types of users, we can use user type’s behavior to predict the ratings</a:t>
+            </a:r>
+          </a:p>
+        </p:txBody>
+      </p:sp>
+    </p:spTree>
+    <p:extLst>
+      <p:ext uri="{BB962C8B-B14F-4D97-AF65-F5344CB8AC3E}">
+        <p14:creationId xmlns:p14="http://schemas.microsoft.com/office/powerpoint/2010/main" val="2709141193"/>
+      </p:ext>
+    </p:extLst>
+  </p:cSld>
+  <p:clrMapOvr>
+    <a:masterClrMapping/>
+  </p:clrMapOvr>
+  <mc:AlternateContent xmlns:mc="http://schemas.openxmlformats.org/markup-compatibility/2006" xmlns:p14="http://schemas.microsoft.com/office/powerpoint/2010/main">
+    <mc:Choice Requires="p14">
+      <p:transition p14:dur="10"/>
+    </mc:Choice>
+    <mc:Fallback xmlns="">
+      <p:transition/>
+    </mc:Fallback>
+  </mc:AlternateContent>
+</p:sld>
+</file>
+
+<file path=ppt/slides/slide16.xml><?xml version="1.0" encoding="utf-8"?>
+<p:sld xmlns:a="http://schemas.openxmlformats.org/drawingml/2006/main" xmlns:r="http://schemas.openxmlformats.org/officeDocument/2006/relationships" xmlns:p="http://schemas.openxmlformats.org/presentationml/2006/main">
+  <p:cSld>
+    <p:spTree>
+      <p:nvGrpSpPr>
+        <p:cNvPr id="1" name=""/>
+        <p:cNvGrpSpPr/>
+        <p:nvPr/>
+      </p:nvGrpSpPr>
+      <p:grpSpPr>
+        <a:xfrm>
+          <a:off x="0" y="0"/>
+          <a:ext cx="0" cy="0"/>
+          <a:chOff x="0" y="0"/>
+          <a:chExt cx="0" cy="0"/>
+        </a:xfrm>
+      </p:grpSpPr>
+      <p:sp>
+        <p:nvSpPr>
+          <p:cNvPr id="2" name="Title 1">
+            <a:extLst>
+              <a:ext uri="{FF2B5EF4-FFF2-40B4-BE49-F238E27FC236}">
+                <a16:creationId xmlns:a16="http://schemas.microsoft.com/office/drawing/2014/main" id="{477F453A-9BE7-564F-935B-115BEE02713E}"/>
+              </a:ext>
+            </a:extLst>
+          </p:cNvPr>
+          <p:cNvSpPr>
+            <a:spLocks noGrp="1"/>
+          </p:cNvSpPr>
+          <p:nvPr>
+            <p:ph type="title"/>
+          </p:nvPr>
+        </p:nvSpPr>
+        <p:spPr/>
+        <p:txBody>
+          <a:bodyPr/>
+          <a:lstStyle/>
+          <a:p>
+            <a:r>
+              <a:rPr lang="en-US" dirty="0"/>
+              <a:t>Implementing Model-Based Recommendations</a:t>
+            </a:r>
+          </a:p>
+        </p:txBody>
+      </p:sp>
+      <p:sp>
+        <p:nvSpPr>
+          <p:cNvPr id="7" name="TextBox 6">
+            <a:extLst>
+              <a:ext uri="{FF2B5EF4-FFF2-40B4-BE49-F238E27FC236}">
+                <a16:creationId xmlns:a16="http://schemas.microsoft.com/office/drawing/2014/main" id="{49ECBB57-3336-DE44-B159-601E64A11836}"/>
+              </a:ext>
+            </a:extLst>
+          </p:cNvPr>
+          <p:cNvSpPr txBox="1"/>
+          <p:nvPr/>
+        </p:nvSpPr>
+        <p:spPr>
+          <a:xfrm>
+            <a:off x="609600" y="942291"/>
+            <a:ext cx="8999034" cy="492443"/>
+          </a:xfrm>
+          <a:prstGeom prst="rect">
+            <a:avLst/>
+          </a:prstGeom>
+          <a:noFill/>
+        </p:spPr>
+        <p:txBody>
+          <a:bodyPr wrap="square" rtlCol="0">
+            <a:spAutoFit/>
+          </a:bodyPr>
+          <a:lstStyle/>
+          <a:p>
+            <a:r>
+              <a:rPr lang="en-US" sz="2600" dirty="0"/>
+              <a:t>Prerequisites: How do we know how good our model is?</a:t>
+            </a:r>
+          </a:p>
+        </p:txBody>
+      </p:sp>
+      <p:sp>
+        <p:nvSpPr>
+          <p:cNvPr id="12" name="TextBox 11">
+            <a:extLst>
+              <a:ext uri="{FF2B5EF4-FFF2-40B4-BE49-F238E27FC236}">
+                <a16:creationId xmlns:a16="http://schemas.microsoft.com/office/drawing/2014/main" id="{F3D62741-CA98-5441-8481-E40E3B7AE6EF}"/>
+              </a:ext>
+            </a:extLst>
+          </p:cNvPr>
+          <p:cNvSpPr txBox="1"/>
+          <p:nvPr/>
+        </p:nvSpPr>
+        <p:spPr>
+          <a:xfrm>
+            <a:off x="758284" y="2235199"/>
+            <a:ext cx="5229922" cy="646331"/>
+          </a:xfrm>
+          <a:prstGeom prst="rect">
+            <a:avLst/>
+          </a:prstGeom>
+          <a:noFill/>
+        </p:spPr>
+        <p:txBody>
+          <a:bodyPr wrap="square" rtlCol="0">
+            <a:spAutoFit/>
+          </a:bodyPr>
+          <a:lstStyle/>
+          <a:p>
+            <a:r>
+              <a:rPr lang="en-US" dirty="0"/>
+              <a:t>1. Implement a method to calculate </a:t>
+            </a:r>
+            <a:r>
+              <a:rPr lang="en-US" b="1" dirty="0"/>
+              <a:t>Root Mean Square Error</a:t>
+            </a:r>
+            <a:r>
+              <a:rPr lang="en-US" dirty="0"/>
+              <a:t> (RSME):</a:t>
+            </a:r>
+          </a:p>
+        </p:txBody>
+      </p:sp>
+      <p:sp>
+        <p:nvSpPr>
+          <p:cNvPr id="13" name="TextBox 12">
+            <a:extLst>
+              <a:ext uri="{FF2B5EF4-FFF2-40B4-BE49-F238E27FC236}">
+                <a16:creationId xmlns:a16="http://schemas.microsoft.com/office/drawing/2014/main" id="{55D52F57-BD5E-7C40-9A57-E566D10461D6}"/>
+              </a:ext>
+            </a:extLst>
+          </p:cNvPr>
+          <p:cNvSpPr txBox="1"/>
+          <p:nvPr/>
+        </p:nvSpPr>
+        <p:spPr>
+          <a:xfrm>
+            <a:off x="758283" y="3366677"/>
+            <a:ext cx="6512312" cy="369332"/>
+          </a:xfrm>
+          <a:prstGeom prst="rect">
+            <a:avLst/>
+          </a:prstGeom>
+          <a:noFill/>
+        </p:spPr>
+        <p:txBody>
+          <a:bodyPr wrap="square" rtlCol="0">
+            <a:spAutoFit/>
+          </a:bodyPr>
+          <a:lstStyle/>
+          <a:p>
+            <a:r>
+              <a:rPr lang="en-US" dirty="0"/>
+              <a:t>2. Implement a method to print error counts (no need to plot it):</a:t>
+            </a:r>
+          </a:p>
+        </p:txBody>
+      </p:sp>
+      <mc:AlternateContent xmlns:mc="http://schemas.openxmlformats.org/markup-compatibility/2006">
+        <mc:Choice xmlns:a14="http://schemas.microsoft.com/office/drawing/2010/main" Requires="a14">
+          <p:sp>
+            <p:nvSpPr>
+              <p:cNvPr id="14" name="TextBox 13">
+                <a:extLst>
+                  <a:ext uri="{FF2B5EF4-FFF2-40B4-BE49-F238E27FC236}">
+                    <a16:creationId xmlns:a16="http://schemas.microsoft.com/office/drawing/2014/main" id="{CB4C04EA-58E9-2647-9A7C-E4D31AA68814}"/>
+                  </a:ext>
+                </a:extLst>
+              </p:cNvPr>
+              <p:cNvSpPr txBox="1"/>
+              <p:nvPr/>
+            </p:nvSpPr>
+            <p:spPr>
+              <a:xfrm>
+                <a:off x="5988206" y="2270645"/>
+                <a:ext cx="5709425" cy="655692"/>
+              </a:xfrm>
+              <a:prstGeom prst="rect">
+                <a:avLst/>
+              </a:prstGeom>
+              <a:noFill/>
+            </p:spPr>
+            <p:txBody>
+              <a:bodyPr wrap="square" rtlCol="0" anchor="ctr">
+                <a:spAutoFit/>
+              </a:bodyPr>
+              <a:lstStyle/>
+              <a:p>
+                <a:pPr algn="ctr"/>
+                <a14:m>
+                  <m:oMathPara xmlns:m="http://schemas.openxmlformats.org/officeDocument/2006/math">
+                    <m:oMathParaPr>
+                      <m:jc m:val="centerGroup"/>
+                    </m:oMathParaPr>
+                    <m:oMath xmlns:m="http://schemas.openxmlformats.org/officeDocument/2006/math">
+                      <m:f>
+                        <m:fPr>
+                          <m:ctrlPr>
+                            <a:rPr lang="en-US" b="0" i="1" smtClean="0">
+                              <a:latin typeface="Cambria Math" panose="02040503050406030204" pitchFamily="18" charset="0"/>
+                            </a:rPr>
+                          </m:ctrlPr>
+                        </m:fPr>
+                        <m:num>
+                          <m:nary>
+                            <m:naryPr>
+                              <m:chr m:val="∑"/>
+                              <m:ctrlPr>
+                                <a:rPr lang="en-US" b="0" i="1" smtClean="0">
+                                  <a:latin typeface="Cambria Math" panose="02040503050406030204" pitchFamily="18" charset="0"/>
+                                </a:rPr>
+                              </m:ctrlPr>
+                            </m:naryPr>
+                            <m:sub>
+                              <m:r>
+                                <m:rPr>
+                                  <m:brk m:alnAt="23"/>
+                                </m:rPr>
+                                <a:rPr lang="en-US" b="0" i="1" smtClean="0">
+                                  <a:latin typeface="Cambria Math" panose="02040503050406030204" pitchFamily="18" charset="0"/>
+                                </a:rPr>
+                                <m:t>𝑖</m:t>
+                              </m:r>
+                            </m:sub>
+                            <m:sup>
+                              <m:r>
+                                <a:rPr lang="en-US" b="0" i="1" smtClean="0">
+                                  <a:latin typeface="Cambria Math" panose="02040503050406030204" pitchFamily="18" charset="0"/>
+                                </a:rPr>
+                                <m:t>𝐴</m:t>
+                              </m:r>
+                              <m:r>
+                                <a:rPr lang="en-US" b="0" i="1" smtClean="0">
+                                  <a:latin typeface="Cambria Math" panose="02040503050406030204" pitchFamily="18" charset="0"/>
+                                </a:rPr>
+                                <m:t>𝑃</m:t>
+                              </m:r>
+                              <m:r>
+                                <a:rPr lang="en-US" b="0" i="1" smtClean="0">
+                                  <a:latin typeface="Cambria Math" panose="02040503050406030204" pitchFamily="18" charset="0"/>
+                                </a:rPr>
+                                <m:t>𝐶</m:t>
+                              </m:r>
+                            </m:sup>
+                            <m:e>
+                              <m:sSup>
+                                <m:sSupPr>
+                                  <m:ctrlPr>
+                                    <a:rPr lang="en-US" b="0" i="1" smtClean="0">
+                                      <a:latin typeface="Cambria Math" panose="02040503050406030204" pitchFamily="18" charset="0"/>
+                                    </a:rPr>
+                                  </m:ctrlPr>
+                                </m:sSupPr>
+                                <m:e>
+                                  <m:d>
+                                    <m:dPr>
+                                      <m:ctrlPr>
+                                        <a:rPr lang="en-US" b="0" i="1" smtClean="0">
+                                          <a:latin typeface="Cambria Math" panose="02040503050406030204" pitchFamily="18" charset="0"/>
+                                        </a:rPr>
+                                      </m:ctrlPr>
+                                    </m:dPr>
+                                    <m:e>
+                                      <m:r>
+                                        <a:rPr lang="en-US" b="0" i="1" smtClean="0">
+                                          <a:latin typeface="Cambria Math" panose="02040503050406030204" pitchFamily="18" charset="0"/>
+                                        </a:rPr>
+                                        <m:t>𝑎𝑐𝑡𝑢𝑎𝑙</m:t>
+                                      </m:r>
+                                      <m:r>
+                                        <m:rPr>
+                                          <m:lit/>
+                                        </m:rPr>
+                                        <a:rPr lang="en-US" b="0" i="1" smtClean="0">
+                                          <a:latin typeface="Cambria Math" panose="02040503050406030204" pitchFamily="18" charset="0"/>
+                                        </a:rPr>
+                                        <m:t>_</m:t>
+                                      </m:r>
+                                      <m:r>
+                                        <a:rPr lang="en-US" b="0" i="1" smtClean="0">
+                                          <a:latin typeface="Cambria Math" panose="02040503050406030204" pitchFamily="18" charset="0"/>
+                                        </a:rPr>
+                                        <m:t>𝑟𝑎𝑡𝑖𝑛</m:t>
+                                      </m:r>
+                                      <m:sSub>
+                                        <m:sSubPr>
+                                          <m:ctrlPr>
+                                            <a:rPr lang="en-US" b="0" i="1" smtClean="0">
+                                              <a:latin typeface="Cambria Math" panose="02040503050406030204" pitchFamily="18" charset="0"/>
+                                            </a:rPr>
+                                          </m:ctrlPr>
+                                        </m:sSubPr>
+                                        <m:e>
+                                          <m:r>
+                                            <a:rPr lang="en-US" b="0" i="1" smtClean="0">
+                                              <a:latin typeface="Cambria Math" panose="02040503050406030204" pitchFamily="18" charset="0"/>
+                                            </a:rPr>
+                                            <m:t>𝑔</m:t>
+                                          </m:r>
+                                        </m:e>
+                                        <m:sub>
+                                          <m:r>
+                                            <a:rPr lang="en-US" b="0" i="1" smtClean="0">
+                                              <a:latin typeface="Cambria Math" panose="02040503050406030204" pitchFamily="18" charset="0"/>
+                                            </a:rPr>
+                                            <m:t>𝑖</m:t>
+                                          </m:r>
+                                        </m:sub>
+                                      </m:sSub>
+                                      <m:r>
+                                        <a:rPr lang="en-US" b="0" i="1" smtClean="0">
+                                          <a:latin typeface="Cambria Math" panose="02040503050406030204" pitchFamily="18" charset="0"/>
+                                        </a:rPr>
+                                        <m:t>−</m:t>
+                                      </m:r>
+                                      <m:r>
+                                        <a:rPr lang="en-US" b="0" i="1" smtClean="0">
+                                          <a:latin typeface="Cambria Math" panose="02040503050406030204" pitchFamily="18" charset="0"/>
+                                        </a:rPr>
+                                        <m:t>𝑝𝑟𝑒𝑑𝑖𝑐𝑡𝑒𝑑</m:t>
+                                      </m:r>
+                                      <m:r>
+                                        <m:rPr>
+                                          <m:lit/>
+                                        </m:rPr>
+                                        <a:rPr lang="en-US" b="0" i="1" smtClean="0">
+                                          <a:latin typeface="Cambria Math" panose="02040503050406030204" pitchFamily="18" charset="0"/>
+                                        </a:rPr>
+                                        <m:t>_</m:t>
+                                      </m:r>
+                                      <m:r>
+                                        <a:rPr lang="en-US" b="0" i="1" smtClean="0">
+                                          <a:latin typeface="Cambria Math" panose="02040503050406030204" pitchFamily="18" charset="0"/>
+                                        </a:rPr>
+                                        <m:t>𝑟𝑎𝑡𝑖𝑛</m:t>
+                                      </m:r>
+                                      <m:sSub>
+                                        <m:sSubPr>
+                                          <m:ctrlPr>
+                                            <a:rPr lang="en-US" b="0" i="1" smtClean="0">
+                                              <a:latin typeface="Cambria Math" panose="02040503050406030204" pitchFamily="18" charset="0"/>
+                                            </a:rPr>
+                                          </m:ctrlPr>
+                                        </m:sSubPr>
+                                        <m:e>
+                                          <m:r>
+                                            <a:rPr lang="en-US" b="0" i="1" smtClean="0">
+                                              <a:latin typeface="Cambria Math" panose="02040503050406030204" pitchFamily="18" charset="0"/>
+                                            </a:rPr>
+                                            <m:t>𝑔</m:t>
+                                          </m:r>
+                                        </m:e>
+                                        <m:sub>
+                                          <m:r>
+                                            <a:rPr lang="en-US" b="0" i="1" smtClean="0">
+                                              <a:latin typeface="Cambria Math" panose="02040503050406030204" pitchFamily="18" charset="0"/>
+                                            </a:rPr>
+                                            <m:t>𝑖</m:t>
+                                          </m:r>
+                                        </m:sub>
+                                      </m:sSub>
+                                    </m:e>
+                                  </m:d>
+                                </m:e>
+                                <m:sup>
+                                  <m:r>
+                                    <a:rPr lang="en-US" b="0" i="1" smtClean="0">
+                                      <a:latin typeface="Cambria Math" panose="02040503050406030204" pitchFamily="18" charset="0"/>
+                                    </a:rPr>
+                                    <m:t>2</m:t>
+                                  </m:r>
+                                </m:sup>
+                              </m:sSup>
+                            </m:e>
+                          </m:nary>
+                        </m:num>
+                        <m:den>
+                          <m:r>
+                            <a:rPr lang="en-US" b="0" i="1" smtClean="0">
+                              <a:latin typeface="Cambria Math" panose="02040503050406030204" pitchFamily="18" charset="0"/>
+                            </a:rPr>
+                            <m:t>𝐴𝑙𝑙</m:t>
+                          </m:r>
+                          <m:r>
+                            <a:rPr lang="en-US" b="0" i="1" smtClean="0">
+                              <a:latin typeface="Cambria Math" panose="02040503050406030204" pitchFamily="18" charset="0"/>
+                            </a:rPr>
+                            <m:t> </m:t>
+                          </m:r>
+                          <m:r>
+                            <a:rPr lang="en-US" b="0" i="1" smtClean="0">
+                              <a:latin typeface="Cambria Math" panose="02040503050406030204" pitchFamily="18" charset="0"/>
+                            </a:rPr>
+                            <m:t>𝑃𝑟𝑒𝑑𝑖𝑐𝑡𝑖𝑜𝑛𝑠</m:t>
+                          </m:r>
+                          <m:r>
+                            <a:rPr lang="en-US" b="0" i="1" smtClean="0">
+                              <a:latin typeface="Cambria Math" panose="02040503050406030204" pitchFamily="18" charset="0"/>
+                            </a:rPr>
+                            <m:t> </m:t>
+                          </m:r>
+                          <m:r>
+                            <a:rPr lang="en-US" b="0" i="1" smtClean="0">
+                              <a:latin typeface="Cambria Math" panose="02040503050406030204" pitchFamily="18" charset="0"/>
+                            </a:rPr>
+                            <m:t>𝐶𝑜𝑢𝑛𝑡</m:t>
+                          </m:r>
+                        </m:den>
+                      </m:f>
+                    </m:oMath>
+                  </m:oMathPara>
+                </a14:m>
+                <a:endParaRPr lang="en-US" b="0" i="1" dirty="0">
+                  <a:latin typeface="Cambria Math" panose="02040503050406030204" pitchFamily="18" charset="0"/>
+                </a:endParaRPr>
+              </a:p>
+            </p:txBody>
+          </p:sp>
+        </mc:Choice>
+        <mc:Fallback>
+          <p:sp>
+            <p:nvSpPr>
+              <p:cNvPr id="14" name="TextBox 13">
+                <a:extLst>
+                  <a:ext uri="{FF2B5EF4-FFF2-40B4-BE49-F238E27FC236}">
+                    <a16:creationId xmlns:a16="http://schemas.microsoft.com/office/drawing/2014/main" id="{CB4C04EA-58E9-2647-9A7C-E4D31AA68814}"/>
+                  </a:ext>
+                </a:extLst>
+              </p:cNvPr>
+              <p:cNvSpPr txBox="1">
+                <a:spLocks noRot="1" noChangeAspect="1" noMove="1" noResize="1" noEditPoints="1" noAdjustHandles="1" noChangeArrowheads="1" noChangeShapeType="1" noTextEdit="1"/>
+              </p:cNvSpPr>
+              <p:nvPr/>
+            </p:nvSpPr>
+            <p:spPr>
+              <a:xfrm>
+                <a:off x="5988206" y="2270645"/>
+                <a:ext cx="5709425" cy="655692"/>
+              </a:xfrm>
+              <a:prstGeom prst="rect">
+                <a:avLst/>
+              </a:prstGeom>
+              <a:blipFill>
+                <a:blip r:embed="rId2"/>
+                <a:stretch>
+                  <a:fillRect t="-61538" b="-55769"/>
+                </a:stretch>
+              </a:blipFill>
+            </p:spPr>
+            <p:txBody>
+              <a:bodyPr/>
+              <a:lstStyle/>
+              <a:p>
+                <a:r>
+                  <a:rPr lang="en-US">
+                    <a:noFill/>
+                  </a:rPr>
+                  <a:t> </a:t>
+                </a:r>
+              </a:p>
+            </p:txBody>
+          </p:sp>
+        </mc:Fallback>
+      </mc:AlternateContent>
+      <p:sp>
+        <p:nvSpPr>
+          <p:cNvPr id="16" name="Rectangle 15">
+            <a:extLst>
+              <a:ext uri="{FF2B5EF4-FFF2-40B4-BE49-F238E27FC236}">
+                <a16:creationId xmlns:a16="http://schemas.microsoft.com/office/drawing/2014/main" id="{D5FC3286-BC37-F245-BE78-9A1B5FE7ABE9}"/>
+              </a:ext>
+            </a:extLst>
+          </p:cNvPr>
+          <p:cNvSpPr/>
+          <p:nvPr/>
+        </p:nvSpPr>
+        <p:spPr>
+          <a:xfrm>
+            <a:off x="2029518" y="3848194"/>
+            <a:ext cx="2977380" cy="301083"/>
+          </a:xfrm>
+          <a:prstGeom prst="rect">
+            <a:avLst/>
+          </a:prstGeom>
+        </p:spPr>
+        <p:style>
+          <a:lnRef idx="2">
+            <a:schemeClr val="accent1">
+              <a:shade val="50000"/>
+            </a:schemeClr>
+          </a:lnRef>
+          <a:fillRef idx="1">
+            <a:schemeClr val="accent1"/>
+          </a:fillRef>
+          <a:effectRef idx="0">
+            <a:schemeClr val="accent1"/>
+          </a:effectRef>
+          <a:fontRef idx="minor">
+            <a:schemeClr val="lt1"/>
+          </a:fontRef>
+        </p:style>
+        <p:txBody>
+          <a:bodyPr rtlCol="0" anchor="ctr"/>
+          <a:lstStyle/>
+          <a:p>
+            <a:r>
+              <a:rPr lang="en-US" dirty="0"/>
+              <a:t>222</a:t>
+            </a:r>
+          </a:p>
+        </p:txBody>
+      </p:sp>
+      <p:sp>
+        <p:nvSpPr>
+          <p:cNvPr id="17" name="Rectangle 16">
+            <a:extLst>
+              <a:ext uri="{FF2B5EF4-FFF2-40B4-BE49-F238E27FC236}">
+                <a16:creationId xmlns:a16="http://schemas.microsoft.com/office/drawing/2014/main" id="{8C73D953-5299-2B4E-A916-2C9BC9303571}"/>
+              </a:ext>
+            </a:extLst>
+          </p:cNvPr>
+          <p:cNvSpPr/>
+          <p:nvPr/>
+        </p:nvSpPr>
+        <p:spPr>
+          <a:xfrm>
+            <a:off x="2029518" y="4567040"/>
+            <a:ext cx="914404" cy="301083"/>
+          </a:xfrm>
+          <a:prstGeom prst="rect">
+            <a:avLst/>
+          </a:prstGeom>
+        </p:spPr>
+        <p:style>
+          <a:lnRef idx="2">
+            <a:schemeClr val="accent1">
+              <a:shade val="50000"/>
+            </a:schemeClr>
+          </a:lnRef>
+          <a:fillRef idx="1">
+            <a:schemeClr val="accent1"/>
+          </a:fillRef>
+          <a:effectRef idx="0">
+            <a:schemeClr val="accent1"/>
+          </a:effectRef>
+          <a:fontRef idx="minor">
+            <a:schemeClr val="lt1"/>
+          </a:fontRef>
+        </p:style>
+        <p:txBody>
+          <a:bodyPr rtlCol="0" anchor="ctr"/>
+          <a:lstStyle/>
+          <a:p>
+            <a:r>
+              <a:rPr lang="en-US" dirty="0"/>
+              <a:t>55</a:t>
+            </a:r>
+          </a:p>
+        </p:txBody>
+      </p:sp>
+      <p:sp>
+        <p:nvSpPr>
+          <p:cNvPr id="18" name="Rectangle 17">
+            <a:extLst>
+              <a:ext uri="{FF2B5EF4-FFF2-40B4-BE49-F238E27FC236}">
+                <a16:creationId xmlns:a16="http://schemas.microsoft.com/office/drawing/2014/main" id="{43733F7D-BC4E-9D4B-BF60-E29CD4C1CBA0}"/>
+              </a:ext>
+            </a:extLst>
+          </p:cNvPr>
+          <p:cNvSpPr/>
+          <p:nvPr/>
+        </p:nvSpPr>
+        <p:spPr>
+          <a:xfrm>
+            <a:off x="2029518" y="4926463"/>
+            <a:ext cx="490658" cy="301083"/>
+          </a:xfrm>
+          <a:prstGeom prst="rect">
+            <a:avLst/>
+          </a:prstGeom>
+        </p:spPr>
+        <p:style>
+          <a:lnRef idx="2">
+            <a:schemeClr val="accent1">
+              <a:shade val="50000"/>
+            </a:schemeClr>
+          </a:lnRef>
+          <a:fillRef idx="1">
+            <a:schemeClr val="accent1"/>
+          </a:fillRef>
+          <a:effectRef idx="0">
+            <a:schemeClr val="accent1"/>
+          </a:effectRef>
+          <a:fontRef idx="minor">
+            <a:schemeClr val="lt1"/>
+          </a:fontRef>
+        </p:style>
+        <p:txBody>
+          <a:bodyPr rtlCol="0" anchor="ctr"/>
+          <a:lstStyle/>
+          <a:p>
+            <a:r>
+              <a:rPr lang="en-US" dirty="0"/>
+              <a:t>22</a:t>
+            </a:r>
+          </a:p>
+        </p:txBody>
+      </p:sp>
+      <p:sp>
+        <p:nvSpPr>
+          <p:cNvPr id="19" name="Rectangle 18">
+            <a:extLst>
+              <a:ext uri="{FF2B5EF4-FFF2-40B4-BE49-F238E27FC236}">
+                <a16:creationId xmlns:a16="http://schemas.microsoft.com/office/drawing/2014/main" id="{78B63117-B145-D641-968A-89C02AB4822A}"/>
+              </a:ext>
+            </a:extLst>
+          </p:cNvPr>
+          <p:cNvSpPr/>
+          <p:nvPr/>
+        </p:nvSpPr>
+        <p:spPr>
+          <a:xfrm>
+            <a:off x="2029518" y="5296575"/>
+            <a:ext cx="234180" cy="301083"/>
+          </a:xfrm>
+          <a:prstGeom prst="rect">
+            <a:avLst/>
+          </a:prstGeom>
+        </p:spPr>
+        <p:style>
+          <a:lnRef idx="2">
+            <a:schemeClr val="accent1">
+              <a:shade val="50000"/>
+            </a:schemeClr>
+          </a:lnRef>
+          <a:fillRef idx="1">
+            <a:schemeClr val="accent1"/>
+          </a:fillRef>
+          <a:effectRef idx="0">
+            <a:schemeClr val="accent1"/>
+          </a:effectRef>
+          <a:fontRef idx="minor">
+            <a:schemeClr val="lt1"/>
+          </a:fontRef>
+        </p:style>
+        <p:txBody>
+          <a:bodyPr rtlCol="0" anchor="ctr"/>
+          <a:lstStyle/>
+          <a:p>
+            <a:r>
+              <a:rPr lang="en-US" dirty="0"/>
+              <a:t>9</a:t>
+            </a:r>
+          </a:p>
+        </p:txBody>
+      </p:sp>
+      <p:sp>
+        <p:nvSpPr>
+          <p:cNvPr id="20" name="TextBox 19">
+            <a:extLst>
+              <a:ext uri="{FF2B5EF4-FFF2-40B4-BE49-F238E27FC236}">
+                <a16:creationId xmlns:a16="http://schemas.microsoft.com/office/drawing/2014/main" id="{0A271D2F-0873-2243-89F1-8C5319F58E7A}"/>
+              </a:ext>
+            </a:extLst>
+          </p:cNvPr>
+          <p:cNvSpPr txBox="1"/>
+          <p:nvPr/>
+        </p:nvSpPr>
+        <p:spPr>
+          <a:xfrm>
+            <a:off x="847493" y="3814070"/>
+            <a:ext cx="970156" cy="369332"/>
+          </a:xfrm>
+          <a:prstGeom prst="rect">
+            <a:avLst/>
+          </a:prstGeom>
+          <a:noFill/>
+        </p:spPr>
+        <p:txBody>
+          <a:bodyPr wrap="square" rtlCol="0">
+            <a:spAutoFit/>
+          </a:bodyPr>
+          <a:lstStyle/>
+          <a:p>
+            <a:r>
+              <a:rPr lang="en-US" dirty="0"/>
+              <a:t>[0 – 1)</a:t>
+            </a:r>
+          </a:p>
+        </p:txBody>
+      </p:sp>
+      <p:sp>
+        <p:nvSpPr>
+          <p:cNvPr id="21" name="TextBox 20">
+            <a:extLst>
+              <a:ext uri="{FF2B5EF4-FFF2-40B4-BE49-F238E27FC236}">
+                <a16:creationId xmlns:a16="http://schemas.microsoft.com/office/drawing/2014/main" id="{43214F64-BC11-5640-A4C6-40F4BF4A9921}"/>
+              </a:ext>
+            </a:extLst>
+          </p:cNvPr>
+          <p:cNvSpPr txBox="1"/>
+          <p:nvPr/>
+        </p:nvSpPr>
+        <p:spPr>
+          <a:xfrm>
+            <a:off x="847492" y="4173493"/>
+            <a:ext cx="970157" cy="369332"/>
+          </a:xfrm>
+          <a:prstGeom prst="rect">
+            <a:avLst/>
+          </a:prstGeom>
+          <a:noFill/>
+        </p:spPr>
+        <p:txBody>
+          <a:bodyPr wrap="square" rtlCol="0">
+            <a:spAutoFit/>
+          </a:bodyPr>
+          <a:lstStyle/>
+          <a:p>
+            <a:r>
+              <a:rPr lang="en-US" dirty="0"/>
+              <a:t>[1 – 2)</a:t>
+            </a:r>
+          </a:p>
+        </p:txBody>
+      </p:sp>
+      <p:sp>
+        <p:nvSpPr>
+          <p:cNvPr id="22" name="TextBox 21">
+            <a:extLst>
+              <a:ext uri="{FF2B5EF4-FFF2-40B4-BE49-F238E27FC236}">
+                <a16:creationId xmlns:a16="http://schemas.microsoft.com/office/drawing/2014/main" id="{A0B2666B-FC2E-B447-85C2-C0959E4F42CF}"/>
+              </a:ext>
+            </a:extLst>
+          </p:cNvPr>
+          <p:cNvSpPr txBox="1"/>
+          <p:nvPr/>
+        </p:nvSpPr>
+        <p:spPr>
+          <a:xfrm>
+            <a:off x="847492" y="4532916"/>
+            <a:ext cx="970157" cy="369332"/>
+          </a:xfrm>
+          <a:prstGeom prst="rect">
+            <a:avLst/>
+          </a:prstGeom>
+          <a:noFill/>
+        </p:spPr>
+        <p:txBody>
+          <a:bodyPr wrap="square" rtlCol="0">
+            <a:spAutoFit/>
+          </a:bodyPr>
+          <a:lstStyle/>
+          <a:p>
+            <a:r>
+              <a:rPr lang="en-US" dirty="0"/>
+              <a:t>[2 – 3)</a:t>
+            </a:r>
+          </a:p>
+        </p:txBody>
+      </p:sp>
+      <p:sp>
+        <p:nvSpPr>
+          <p:cNvPr id="23" name="TextBox 22">
+            <a:extLst>
+              <a:ext uri="{FF2B5EF4-FFF2-40B4-BE49-F238E27FC236}">
+                <a16:creationId xmlns:a16="http://schemas.microsoft.com/office/drawing/2014/main" id="{A066120B-3DAA-0F45-94BF-E2444DB9EC20}"/>
+              </a:ext>
+            </a:extLst>
+          </p:cNvPr>
+          <p:cNvSpPr txBox="1"/>
+          <p:nvPr/>
+        </p:nvSpPr>
+        <p:spPr>
+          <a:xfrm>
+            <a:off x="847492" y="4897860"/>
+            <a:ext cx="970157" cy="369332"/>
+          </a:xfrm>
+          <a:prstGeom prst="rect">
+            <a:avLst/>
+          </a:prstGeom>
+          <a:noFill/>
+        </p:spPr>
+        <p:txBody>
+          <a:bodyPr wrap="square" rtlCol="0">
+            <a:spAutoFit/>
+          </a:bodyPr>
+          <a:lstStyle/>
+          <a:p>
+            <a:r>
+              <a:rPr lang="en-US" dirty="0"/>
+              <a:t>[3 – 4)</a:t>
+            </a:r>
+          </a:p>
+        </p:txBody>
+      </p:sp>
+      <p:sp>
+        <p:nvSpPr>
+          <p:cNvPr id="24" name="Rectangle 23">
+            <a:extLst>
+              <a:ext uri="{FF2B5EF4-FFF2-40B4-BE49-F238E27FC236}">
+                <a16:creationId xmlns:a16="http://schemas.microsoft.com/office/drawing/2014/main" id="{03D1BBF1-3BC2-2F4C-9776-866B4D35172D}"/>
+              </a:ext>
+            </a:extLst>
+          </p:cNvPr>
+          <p:cNvSpPr/>
+          <p:nvPr/>
+        </p:nvSpPr>
+        <p:spPr>
+          <a:xfrm>
+            <a:off x="2029518" y="4207617"/>
+            <a:ext cx="1628082" cy="301083"/>
+          </a:xfrm>
+          <a:prstGeom prst="rect">
+            <a:avLst/>
+          </a:prstGeom>
+        </p:spPr>
+        <p:style>
+          <a:lnRef idx="2">
+            <a:schemeClr val="accent1">
+              <a:shade val="50000"/>
+            </a:schemeClr>
+          </a:lnRef>
+          <a:fillRef idx="1">
+            <a:schemeClr val="accent1"/>
+          </a:fillRef>
+          <a:effectRef idx="0">
+            <a:schemeClr val="accent1"/>
+          </a:effectRef>
+          <a:fontRef idx="minor">
+            <a:schemeClr val="lt1"/>
+          </a:fontRef>
+        </p:style>
+        <p:txBody>
+          <a:bodyPr rtlCol="0" anchor="ctr"/>
+          <a:lstStyle/>
+          <a:p>
+            <a:r>
+              <a:rPr lang="en-US" dirty="0"/>
+              <a:t>111</a:t>
+            </a:r>
+          </a:p>
+        </p:txBody>
+      </p:sp>
+      <p:sp>
+        <p:nvSpPr>
+          <p:cNvPr id="25" name="TextBox 24">
+            <a:extLst>
+              <a:ext uri="{FF2B5EF4-FFF2-40B4-BE49-F238E27FC236}">
+                <a16:creationId xmlns:a16="http://schemas.microsoft.com/office/drawing/2014/main" id="{35A0B14F-A168-4246-AFE2-6765FDF1E045}"/>
+              </a:ext>
+            </a:extLst>
+          </p:cNvPr>
+          <p:cNvSpPr txBox="1"/>
+          <p:nvPr/>
+        </p:nvSpPr>
+        <p:spPr>
+          <a:xfrm>
+            <a:off x="847491" y="5262451"/>
+            <a:ext cx="970158" cy="369332"/>
+          </a:xfrm>
+          <a:prstGeom prst="rect">
+            <a:avLst/>
+          </a:prstGeom>
+          <a:noFill/>
+        </p:spPr>
+        <p:txBody>
+          <a:bodyPr wrap="square" rtlCol="0">
+            <a:spAutoFit/>
+          </a:bodyPr>
+          <a:lstStyle/>
+          <a:p>
+            <a:r>
+              <a:rPr lang="en-US" dirty="0"/>
+              <a:t>[4 – ∞)</a:t>
+            </a:r>
+          </a:p>
+        </p:txBody>
+      </p:sp>
+    </p:spTree>
+    <p:extLst>
+      <p:ext uri="{BB962C8B-B14F-4D97-AF65-F5344CB8AC3E}">
+        <p14:creationId xmlns:p14="http://schemas.microsoft.com/office/powerpoint/2010/main" val="196824853"/>
+      </p:ext>
+    </p:extLst>
+  </p:cSld>
+  <p:clrMapOvr>
+    <a:masterClrMapping/>
+  </p:clrMapOvr>
+  <mc:AlternateContent xmlns:mc="http://schemas.openxmlformats.org/markup-compatibility/2006" xmlns:p14="http://schemas.microsoft.com/office/powerpoint/2010/main">
+    <mc:Choice Requires="p14">
+      <p:transition p14:dur="10"/>
+    </mc:Choice>
+    <mc:Fallback xmlns="">
+      <p:transition/>
+    </mc:Fallback>
+  </mc:AlternateContent>
+</p:sld>
+</file>
+
 <file path=ppt/slides/slide2.xml><?xml version="1.0" encoding="utf-8"?>
 <p:sld xmlns:a="http://schemas.openxmlformats.org/drawingml/2006/main" xmlns:r="http://schemas.openxmlformats.org/officeDocument/2006/relationships" xmlns:p="http://schemas.openxmlformats.org/presentationml/2006/main">
   <p:cSld>
@@ -7372,12 +10559,8 @@
               <a:buAutoNum type="arabicPeriod"/>
             </a:pPr>
             <a:r>
-              <a:rPr lang="en-US"/>
-              <a:t>[ ] Implement </a:t>
-            </a:r>
-            <a:r>
               <a:rPr lang="en-US" dirty="0"/>
-              <a:t>a function that takes an array of images and saves them as a .gif file</a:t>
+              <a:t>[ ] Implement a function that takes an array of images and saves them as a .gif file</a:t>
             </a:r>
           </a:p>
           <a:p>
